--- a/swagger_UI.pptx
+++ b/swagger_UI.pptx
@@ -5,20 +5,23 @@
     <p:sldMasterId id="2147483660" r:id="rId1"/>
   </p:sldMasterIdLst>
   <p:notesMasterIdLst>
-    <p:notesMasterId r:id="rId13"/>
+    <p:notesMasterId r:id="rId16"/>
   </p:notesMasterIdLst>
   <p:sldIdLst>
     <p:sldId id="256" r:id="rId2"/>
     <p:sldId id="257" r:id="rId3"/>
-    <p:sldId id="258" r:id="rId4"/>
-    <p:sldId id="266" r:id="rId5"/>
-    <p:sldId id="259" r:id="rId6"/>
-    <p:sldId id="261" r:id="rId7"/>
-    <p:sldId id="262" r:id="rId8"/>
-    <p:sldId id="263" r:id="rId9"/>
-    <p:sldId id="264" r:id="rId10"/>
-    <p:sldId id="265" r:id="rId11"/>
-    <p:sldId id="260" r:id="rId12"/>
+    <p:sldId id="267" r:id="rId4"/>
+    <p:sldId id="258" r:id="rId5"/>
+    <p:sldId id="266" r:id="rId6"/>
+    <p:sldId id="269" r:id="rId7"/>
+    <p:sldId id="259" r:id="rId8"/>
+    <p:sldId id="261" r:id="rId9"/>
+    <p:sldId id="262" r:id="rId10"/>
+    <p:sldId id="263" r:id="rId11"/>
+    <p:sldId id="264" r:id="rId12"/>
+    <p:sldId id="265" r:id="rId13"/>
+    <p:sldId id="260" r:id="rId14"/>
+    <p:sldId id="268" r:id="rId15"/>
   </p:sldIdLst>
   <p:sldSz cx="9144000" cy="6858000" type="screen4x3"/>
   <p:notesSz cx="6858000" cy="9144000"/>
@@ -202,7 +205,7 @@
           <a:p>
             <a:fld id="{77ACEEB5-EB36-4E12-B5DC-29E6BE7D5AE7}" type="datetimeFigureOut">
               <a:rPr lang="zh-TW" altLang="en-US" smtClean="0"/>
-              <a:t>2018/5/7</a:t>
+              <a:t>2018/5/9</a:t>
             </a:fld>
             <a:endParaRPr lang="zh-TW" altLang="en-US"/>
           </a:p>
@@ -648,7 +651,7 @@
           <a:p>
             <a:fld id="{F3A1126A-B731-44B2-B190-F4DFCC25CEE0}" type="slidenum">
               <a:rPr lang="zh-TW" altLang="en-US" smtClean="0"/>
-              <a:t>3</a:t>
+              <a:t>4</a:t>
             </a:fld>
             <a:endParaRPr lang="zh-TW" altLang="en-US"/>
           </a:p>
@@ -732,7 +735,7 @@
           <a:p>
             <a:fld id="{F3A1126A-B731-44B2-B190-F4DFCC25CEE0}" type="slidenum">
               <a:rPr lang="zh-TW" altLang="en-US" smtClean="0"/>
-              <a:t>4</a:t>
+              <a:t>5</a:t>
             </a:fld>
             <a:endParaRPr lang="zh-TW" altLang="en-US"/>
           </a:p>
@@ -851,7 +854,6 @@
               <a:rPr lang="zh-TW" altLang="en-US" noProof="0" smtClean="0"/>
               <a:t>按一下以編輯母片標題樣式</a:t>
             </a:r>
-            <a:endParaRPr lang="zh-TW" altLang="en-US" noProof="0" smtClean="0"/>
           </a:p>
         </p:txBody>
       </p:sp>
@@ -886,7 +888,6 @@
               <a:rPr lang="zh-TW" altLang="en-US" noProof="0" smtClean="0"/>
               <a:t>按一下以編輯母片副標題樣式</a:t>
             </a:r>
-            <a:endParaRPr lang="zh-TW" altLang="en-US" noProof="0" smtClean="0"/>
           </a:p>
         </p:txBody>
       </p:sp>
@@ -1251,6 +1252,159 @@
   <p:clrMapOvr>
     <a:masterClrMapping/>
   </p:clrMapOvr>
+</p:sldLayout>
+</file>
+
+<file path=ppt/slideLayouts/slideLayout12.xml><?xml version="1.0" encoding="utf-8"?>
+<p:sldLayout xmlns:a="http://schemas.openxmlformats.org/drawingml/2006/main" xmlns:r="http://schemas.openxmlformats.org/officeDocument/2006/relationships" xmlns:p="http://schemas.openxmlformats.org/presentationml/2006/main" type="tbl">
+  <p:cSld name="標題及表格">
+    <p:spTree>
+      <p:nvGrpSpPr>
+        <p:cNvPr id="1" name=""/>
+        <p:cNvGrpSpPr/>
+        <p:nvPr/>
+      </p:nvGrpSpPr>
+      <p:grpSpPr>
+        <a:xfrm>
+          <a:off x="0" y="0"/>
+          <a:ext cx="0" cy="0"/>
+          <a:chOff x="0" y="0"/>
+          <a:chExt cx="0" cy="0"/>
+        </a:xfrm>
+      </p:grpSpPr>
+      <p:sp>
+        <p:nvSpPr>
+          <p:cNvPr id="2" name="標題 1"/>
+          <p:cNvSpPr>
+            <a:spLocks noGrp="1"/>
+          </p:cNvSpPr>
+          <p:nvPr>
+            <p:ph type="title"/>
+          </p:nvPr>
+        </p:nvSpPr>
+        <p:spPr>
+          <a:xfrm>
+            <a:off x="457200" y="274638"/>
+            <a:ext cx="8229600" cy="1143000"/>
+          </a:xfrm>
+        </p:spPr>
+        <p:txBody>
+          <a:bodyPr/>
+          <a:lstStyle/>
+          <a:p>
+            <a:r>
+              <a:rPr lang="zh-TW" altLang="en-US" smtClean="0"/>
+              <a:t>按一下以編輯母片標題樣式</a:t>
+            </a:r>
+            <a:endParaRPr lang="zh-TW" altLang="en-US"/>
+          </a:p>
+        </p:txBody>
+      </p:sp>
+      <p:sp>
+        <p:nvSpPr>
+          <p:cNvPr id="3" name="表格版面配置區 2"/>
+          <p:cNvSpPr>
+            <a:spLocks noGrp="1"/>
+          </p:cNvSpPr>
+          <p:nvPr>
+            <p:ph type="tbl" idx="1"/>
+          </p:nvPr>
+        </p:nvSpPr>
+        <p:spPr>
+          <a:xfrm>
+            <a:off x="457200" y="1600200"/>
+            <a:ext cx="8229600" cy="4525963"/>
+          </a:xfrm>
+        </p:spPr>
+        <p:txBody>
+          <a:bodyPr/>
+          <a:lstStyle/>
+          <a:p>
+            <a:pPr lvl="0"/>
+            <a:endParaRPr lang="zh-TW" altLang="en-US" noProof="0" smtClean="0"/>
+          </a:p>
+        </p:txBody>
+      </p:sp>
+      <p:sp>
+        <p:nvSpPr>
+          <p:cNvPr id="4" name="Rectangle 5"/>
+          <p:cNvSpPr>
+            <a:spLocks noGrp="1" noChangeArrowheads="1"/>
+          </p:cNvSpPr>
+          <p:nvPr>
+            <p:ph type="ftr" sz="quarter" idx="10"/>
+          </p:nvPr>
+        </p:nvSpPr>
+        <p:spPr>
+          <a:ln/>
+        </p:spPr>
+        <p:txBody>
+          <a:bodyPr/>
+          <a:lstStyle>
+            <a:lvl1pPr>
+              <a:defRPr/>
+            </a:lvl1pPr>
+          </a:lstStyle>
+          <a:p>
+            <a:pPr>
+              <a:defRPr/>
+            </a:pPr>
+            <a:endParaRPr lang="en-US" altLang="zh-TW" dirty="0"/>
+          </a:p>
+        </p:txBody>
+      </p:sp>
+      <p:sp>
+        <p:nvSpPr>
+          <p:cNvPr id="5" name="Rectangle 6"/>
+          <p:cNvSpPr>
+            <a:spLocks noGrp="1" noChangeArrowheads="1"/>
+          </p:cNvSpPr>
+          <p:nvPr>
+            <p:ph type="sldNum" sz="quarter" idx="11"/>
+          </p:nvPr>
+        </p:nvSpPr>
+        <p:spPr>
+          <a:ln/>
+        </p:spPr>
+        <p:txBody>
+          <a:bodyPr/>
+          <a:lstStyle>
+            <a:lvl1pPr>
+              <a:defRPr/>
+            </a:lvl1pPr>
+          </a:lstStyle>
+          <a:p>
+            <a:pPr>
+              <a:defRPr/>
+            </a:pPr>
+            <a:fld id="{CAF16FB2-E0EE-43CA-86C6-8D14D4F41C11}" type="slidenum">
+              <a:rPr lang="en-US" altLang="zh-TW"/>
+              <a:pPr>
+                <a:defRPr/>
+              </a:pPr>
+              <a:t>‹#›</a:t>
+            </a:fld>
+            <a:endParaRPr lang="en-US" altLang="zh-TW" dirty="0"/>
+          </a:p>
+        </p:txBody>
+      </p:sp>
+    </p:spTree>
+    <p:extLst>
+      <p:ext uri="{BB962C8B-B14F-4D97-AF65-F5344CB8AC3E}">
+        <p14:creationId xmlns:p14="http://schemas.microsoft.com/office/powerpoint/2010/main" val="3606657518"/>
+      </p:ext>
+    </p:extLst>
+  </p:cSld>
+  <p:clrMapOvr>
+    <a:masterClrMapping/>
+  </p:clrMapOvr>
+  <p:timing>
+    <p:tnLst>
+      <p:par>
+        <p:cTn id="1" dur="indefinite" restart="never" nodeType="tmRoot"/>
+      </p:par>
+    </p:tnLst>
+  </p:timing>
 </p:sldLayout>
 </file>
 
@@ -2850,7 +3004,6 @@
               <a:rPr lang="zh-TW" altLang="en-US" noProof="0" smtClean="0"/>
               <a:t>按一下圖示以新增圖片</a:t>
             </a:r>
-            <a:endParaRPr lang="zh-TW" altLang="en-US" noProof="0" smtClean="0"/>
           </a:p>
         </p:txBody>
       </p:sp>
@@ -3330,7 +3483,7 @@
           <p:nvPr/>
         </p:nvPicPr>
         <p:blipFill>
-          <a:blip r:embed="rId13" cstate="print">
+          <a:blip r:embed="rId14" cstate="print">
             <a:extLst>
               <a:ext uri="{28A0092B-C50C-407E-A947-70E740481C1C}">
                 <a14:useLocalDpi xmlns:a14="http://schemas.microsoft.com/office/drawing/2010/main" val="0"/>
@@ -3390,6 +3543,7 @@
     <p:sldLayoutId id="2147483669" r:id="rId9"/>
     <p:sldLayoutId id="2147483670" r:id="rId10"/>
     <p:sldLayoutId id="2147483671" r:id="rId11"/>
+    <p:sldLayoutId id="2147483672" r:id="rId12"/>
   </p:sldLayoutIdLst>
   <p:timing>
     <p:tnLst>
@@ -3816,17 +3970,21 @@
           <a:lstStyle/>
           <a:p>
             <a:r>
-              <a:rPr lang="en-US" altLang="zh-TW" dirty="0" smtClean="0">
+              <a:rPr lang="en-US" altLang="zh-TW" b="1" dirty="0" smtClean="0">
                 <a:solidFill>
                   <a:schemeClr val="bg1"/>
                 </a:solidFill>
+                <a:latin typeface="微軟正黑體" panose="020B0604030504040204" pitchFamily="34" charset="-120"/>
+                <a:ea typeface="微軟正黑體" panose="020B0604030504040204" pitchFamily="34" charset="-120"/>
               </a:rPr>
               <a:t>SWAGGER UI</a:t>
             </a:r>
-            <a:endParaRPr lang="zh-TW" altLang="en-US" dirty="0">
+            <a:endParaRPr lang="zh-TW" altLang="en-US" b="1" dirty="0">
               <a:solidFill>
                 <a:schemeClr val="bg1"/>
               </a:solidFill>
+              <a:latin typeface="微軟正黑體" panose="020B0604030504040204" pitchFamily="34" charset="-120"/>
+              <a:ea typeface="微軟正黑體" panose="020B0604030504040204" pitchFamily="34" charset="-120"/>
             </a:endParaRPr>
           </a:p>
         </p:txBody>
@@ -3893,51 +4051,60 @@
           <a:lstStyle/>
           <a:p>
             <a:r>
-              <a:rPr lang="en-US" altLang="zh-TW" dirty="0" smtClean="0">
+              <a:rPr lang="en-US" altLang="zh-TW" b="1" dirty="0" smtClean="0">
                 <a:solidFill>
                   <a:schemeClr val="bg1"/>
                 </a:solidFill>
-              </a:rPr>
-              <a:t>ITT OMS</a:t>
-            </a:r>
-          </a:p>
-          <a:p>
-            <a:r>
-              <a:rPr lang="en-US" altLang="zh-TW" dirty="0" smtClean="0">
+                <a:latin typeface="微軟正黑體" panose="020B0604030504040204" pitchFamily="34" charset="-120"/>
+                <a:ea typeface="微軟正黑體" panose="020B0604030504040204" pitchFamily="34" charset="-120"/>
+              </a:rPr>
+              <a:t>ITT </a:t>
+            </a:r>
+            <a:r>
+              <a:rPr lang="en-US" altLang="zh-TW" b="1" dirty="0" smtClean="0">
                 <a:solidFill>
                   <a:schemeClr val="bg1"/>
                 </a:solidFill>
-              </a:rPr>
-              <a:t>MAY </a:t>
-            </a:r>
-            <a:r>
-              <a:rPr lang="en-US" altLang="zh-TW" dirty="0" smtClean="0">
+                <a:latin typeface="微軟正黑體" panose="020B0604030504040204" pitchFamily="34" charset="-120"/>
+                <a:ea typeface="微軟正黑體" panose="020B0604030504040204" pitchFamily="34" charset="-120"/>
+              </a:rPr>
+              <a:t>OMS </a:t>
+            </a:r>
+            <a:r>
+              <a:rPr lang="en-US" altLang="zh-TW" b="1" dirty="0" err="1" smtClean="0">
                 <a:solidFill>
                   <a:schemeClr val="bg1"/>
                 </a:solidFill>
-              </a:rPr>
-              <a:t>10</a:t>
-            </a:r>
-            <a:r>
-              <a:rPr lang="en-US" altLang="zh-TW" dirty="0" smtClean="0">
+                <a:latin typeface="微軟正黑體" panose="020B0604030504040204" pitchFamily="34" charset="-120"/>
+                <a:ea typeface="微軟正黑體" panose="020B0604030504040204" pitchFamily="34" charset="-120"/>
+              </a:rPr>
+              <a:t>equal,hsiao</a:t>
+            </a:r>
+            <a:endParaRPr lang="en-US" altLang="zh-TW" b="1" dirty="0" smtClean="0">
+              <a:solidFill>
+                <a:schemeClr val="bg1"/>
+              </a:solidFill>
+              <a:latin typeface="微軟正黑體" panose="020B0604030504040204" pitchFamily="34" charset="-120"/>
+              <a:ea typeface="微軟正黑體" panose="020B0604030504040204" pitchFamily="34" charset="-120"/>
+            </a:endParaRPr>
+          </a:p>
+          <a:p>
+            <a:r>
+              <a:rPr lang="en-US" altLang="zh-TW" b="1" dirty="0" smtClean="0">
                 <a:solidFill>
                   <a:schemeClr val="bg1"/>
                 </a:solidFill>
-              </a:rPr>
-              <a:t>, </a:t>
-            </a:r>
-            <a:r>
-              <a:rPr lang="en-US" altLang="zh-TW" dirty="0" smtClean="0">
-                <a:solidFill>
-                  <a:schemeClr val="bg1"/>
-                </a:solidFill>
-              </a:rPr>
-              <a:t>2018</a:t>
-            </a:r>
-            <a:endParaRPr lang="zh-TW" altLang="en-US" dirty="0">
+                <a:latin typeface="微軟正黑體" panose="020B0604030504040204" pitchFamily="34" charset="-120"/>
+                <a:ea typeface="微軟正黑體" panose="020B0604030504040204" pitchFamily="34" charset="-120"/>
+              </a:rPr>
+              <a:t>MAY 10, 2018</a:t>
+            </a:r>
+            <a:endParaRPr lang="zh-TW" altLang="en-US" b="1" dirty="0">
               <a:solidFill>
                 <a:schemeClr val="bg1"/>
               </a:solidFill>
+              <a:latin typeface="微軟正黑體" panose="020B0604030504040204" pitchFamily="34" charset="-120"/>
+              <a:ea typeface="微軟正黑體" panose="020B0604030504040204" pitchFamily="34" charset="-120"/>
             </a:endParaRPr>
           </a:p>
         </p:txBody>
@@ -3995,10 +4162,16 @@
           <a:lstStyle/>
           <a:p>
             <a:r>
-              <a:rPr lang="en-US" altLang="zh-TW" dirty="0" smtClean="0"/>
-              <a:t>Models</a:t>
-            </a:r>
-            <a:endParaRPr lang="zh-TW" altLang="en-US" dirty="0"/>
+              <a:rPr lang="en-US" altLang="zh-TW" b="1" dirty="0" smtClean="0">
+                <a:latin typeface="微軟正黑體" panose="020B0604030504040204" pitchFamily="34" charset="-120"/>
+                <a:ea typeface="微軟正黑體" panose="020B0604030504040204" pitchFamily="34" charset="-120"/>
+              </a:rPr>
+              <a:t>Request</a:t>
+            </a:r>
+            <a:endParaRPr lang="zh-TW" altLang="en-US" b="1" dirty="0">
+              <a:latin typeface="微軟正黑體" panose="020B0604030504040204" pitchFamily="34" charset="-120"/>
+              <a:ea typeface="微軟正黑體" panose="020B0604030504040204" pitchFamily="34" charset="-120"/>
+            </a:endParaRPr>
           </a:p>
         </p:txBody>
       </p:sp>
@@ -4018,22 +4191,367 @@
           <a:lstStyle/>
           <a:p>
             <a:r>
-              <a:rPr lang="zh-TW" altLang="en-US" dirty="0" smtClean="0"/>
+              <a:rPr lang="en-US" altLang="zh-TW" dirty="0" smtClean="0">
+                <a:latin typeface="微軟正黑體" panose="020B0604030504040204" pitchFamily="34" charset="-120"/>
+                <a:ea typeface="微軟正黑體" panose="020B0604030504040204" pitchFamily="34" charset="-120"/>
+              </a:rPr>
+              <a:t>API</a:t>
+            </a:r>
+            <a:r>
+              <a:rPr lang="zh-TW" altLang="en-US" dirty="0" smtClean="0">
+                <a:latin typeface="微軟正黑體" panose="020B0604030504040204" pitchFamily="34" charset="-120"/>
+                <a:ea typeface="微軟正黑體" panose="020B0604030504040204" pitchFamily="34" charset="-120"/>
+              </a:rPr>
+              <a:t>展開後的</a:t>
+            </a:r>
+            <a:r>
+              <a:rPr lang="en-US" altLang="zh-TW" dirty="0" smtClean="0">
+                <a:latin typeface="微軟正黑體" panose="020B0604030504040204" pitchFamily="34" charset="-120"/>
+                <a:ea typeface="微軟正黑體" panose="020B0604030504040204" pitchFamily="34" charset="-120"/>
+              </a:rPr>
+              <a:t>Request Object</a:t>
+            </a:r>
+          </a:p>
+          <a:p>
+            <a:pPr marL="0" indent="0">
+              <a:buNone/>
+            </a:pPr>
+            <a:endParaRPr lang="zh-TW" altLang="en-US" dirty="0"/>
+          </a:p>
+        </p:txBody>
+      </p:sp>
+      <p:pic>
+        <p:nvPicPr>
+          <p:cNvPr id="5122" name="Picture 2"/>
+          <p:cNvPicPr>
+            <a:picLocks noChangeAspect="1" noChangeArrowheads="1"/>
+          </p:cNvPicPr>
+          <p:nvPr/>
+        </p:nvPicPr>
+        <p:blipFill>
+          <a:blip r:embed="rId2">
+            <a:extLst>
+              <a:ext uri="{28A0092B-C50C-407E-A947-70E740481C1C}">
+                <a14:useLocalDpi xmlns:a14="http://schemas.microsoft.com/office/drawing/2010/main" val="0"/>
+              </a:ext>
+            </a:extLst>
+          </a:blip>
+          <a:srcRect/>
+          <a:stretch>
+            <a:fillRect/>
+          </a:stretch>
+        </p:blipFill>
+        <p:spPr bwMode="auto">
+          <a:xfrm>
+            <a:off x="251520" y="2204864"/>
+            <a:ext cx="8544369" cy="3994770"/>
+          </a:xfrm>
+          <a:prstGeom prst="rect">
+            <a:avLst/>
+          </a:prstGeom>
+          <a:noFill/>
+          <a:ln>
+            <a:noFill/>
+          </a:ln>
+          <a:extLst>
+            <a:ext uri="{909E8E84-426E-40DD-AFC4-6F175D3DCCD1}">
+              <a14:hiddenFill xmlns:a14="http://schemas.microsoft.com/office/drawing/2010/main">
+                <a:solidFill>
+                  <a:schemeClr val="accent1"/>
+                </a:solidFill>
+              </a14:hiddenFill>
+            </a:ext>
+            <a:ext uri="{91240B29-F687-4F45-9708-019B960494DF}">
+              <a14:hiddenLine xmlns:a14="http://schemas.microsoft.com/office/drawing/2010/main" w="9525">
+                <a:solidFill>
+                  <a:schemeClr val="tx1"/>
+                </a:solidFill>
+                <a:miter lim="800000"/>
+                <a:headEnd/>
+                <a:tailEnd/>
+              </a14:hiddenLine>
+            </a:ext>
+          </a:extLst>
+        </p:spPr>
+      </p:pic>
+    </p:spTree>
+    <p:extLst>
+      <p:ext uri="{BB962C8B-B14F-4D97-AF65-F5344CB8AC3E}">
+        <p14:creationId xmlns:p14="http://schemas.microsoft.com/office/powerpoint/2010/main" val="2500542353"/>
+      </p:ext>
+    </p:extLst>
+  </p:cSld>
+  <p:clrMapOvr>
+    <a:masterClrMapping/>
+  </p:clrMapOvr>
+  <p:timing>
+    <p:tnLst>
+      <p:par>
+        <p:cTn id="1" dur="indefinite" restart="never" nodeType="tmRoot"/>
+      </p:par>
+    </p:tnLst>
+  </p:timing>
+</p:sld>
+</file>
+
+<file path=ppt/slides/slide11.xml><?xml version="1.0" encoding="utf-8"?>
+<p:sld xmlns:a="http://schemas.openxmlformats.org/drawingml/2006/main" xmlns:r="http://schemas.openxmlformats.org/officeDocument/2006/relationships" xmlns:p="http://schemas.openxmlformats.org/presentationml/2006/main">
+  <p:cSld>
+    <p:spTree>
+      <p:nvGrpSpPr>
+        <p:cNvPr id="1" name=""/>
+        <p:cNvGrpSpPr/>
+        <p:nvPr/>
+      </p:nvGrpSpPr>
+      <p:grpSpPr>
+        <a:xfrm>
+          <a:off x="0" y="0"/>
+          <a:ext cx="0" cy="0"/>
+          <a:chOff x="0" y="0"/>
+          <a:chExt cx="0" cy="0"/>
+        </a:xfrm>
+      </p:grpSpPr>
+      <p:sp>
+        <p:nvSpPr>
+          <p:cNvPr id="2" name="標題 1"/>
+          <p:cNvSpPr>
+            <a:spLocks noGrp="1"/>
+          </p:cNvSpPr>
+          <p:nvPr>
+            <p:ph type="title"/>
+          </p:nvPr>
+        </p:nvSpPr>
+        <p:spPr/>
+        <p:txBody>
+          <a:bodyPr/>
+          <a:lstStyle/>
+          <a:p>
+            <a:r>
+              <a:rPr lang="en-US" altLang="zh-TW" b="1" dirty="0" smtClean="0">
+                <a:latin typeface="微軟正黑體" panose="020B0604030504040204" pitchFamily="34" charset="-120"/>
+                <a:ea typeface="微軟正黑體" panose="020B0604030504040204" pitchFamily="34" charset="-120"/>
+              </a:rPr>
+              <a:t>Response</a:t>
+            </a:r>
+            <a:endParaRPr lang="zh-TW" altLang="en-US" b="1" dirty="0">
+              <a:latin typeface="微軟正黑體" panose="020B0604030504040204" pitchFamily="34" charset="-120"/>
+              <a:ea typeface="微軟正黑體" panose="020B0604030504040204" pitchFamily="34" charset="-120"/>
+            </a:endParaRPr>
+          </a:p>
+        </p:txBody>
+      </p:sp>
+      <p:sp>
+        <p:nvSpPr>
+          <p:cNvPr id="3" name="內容版面配置區 2"/>
+          <p:cNvSpPr>
+            <a:spLocks noGrp="1"/>
+          </p:cNvSpPr>
+          <p:nvPr>
+            <p:ph idx="1"/>
+          </p:nvPr>
+        </p:nvSpPr>
+        <p:spPr/>
+        <p:txBody>
+          <a:bodyPr/>
+          <a:lstStyle/>
+          <a:p>
+            <a:r>
+              <a:rPr lang="en-US" altLang="zh-TW" dirty="0" smtClean="0">
+                <a:latin typeface="微軟正黑體" panose="020B0604030504040204" pitchFamily="34" charset="-120"/>
+                <a:ea typeface="微軟正黑體" panose="020B0604030504040204" pitchFamily="34" charset="-120"/>
+              </a:rPr>
+              <a:t>API</a:t>
+            </a:r>
+            <a:r>
+              <a:rPr lang="zh-TW" altLang="en-US" dirty="0" smtClean="0">
+                <a:latin typeface="微軟正黑體" panose="020B0604030504040204" pitchFamily="34" charset="-120"/>
+                <a:ea typeface="微軟正黑體" panose="020B0604030504040204" pitchFamily="34" charset="-120"/>
+              </a:rPr>
+              <a:t>展開後的</a:t>
+            </a:r>
+            <a:r>
+              <a:rPr lang="en-US" altLang="zh-TW" dirty="0" smtClean="0">
+                <a:latin typeface="微軟正黑體" panose="020B0604030504040204" pitchFamily="34" charset="-120"/>
+                <a:ea typeface="微軟正黑體" panose="020B0604030504040204" pitchFamily="34" charset="-120"/>
+              </a:rPr>
+              <a:t>Response Object</a:t>
+            </a:r>
+          </a:p>
+          <a:p>
+            <a:pPr marL="0" indent="0">
+              <a:buNone/>
+            </a:pPr>
+            <a:endParaRPr lang="zh-TW" altLang="en-US" dirty="0"/>
+          </a:p>
+        </p:txBody>
+      </p:sp>
+      <p:pic>
+        <p:nvPicPr>
+          <p:cNvPr id="6146" name="Picture 2"/>
+          <p:cNvPicPr>
+            <a:picLocks noChangeAspect="1" noChangeArrowheads="1"/>
+          </p:cNvPicPr>
+          <p:nvPr/>
+        </p:nvPicPr>
+        <p:blipFill>
+          <a:blip r:embed="rId2">
+            <a:extLst>
+              <a:ext uri="{28A0092B-C50C-407E-A947-70E740481C1C}">
+                <a14:useLocalDpi xmlns:a14="http://schemas.microsoft.com/office/drawing/2010/main" val="0"/>
+              </a:ext>
+            </a:extLst>
+          </a:blip>
+          <a:srcRect/>
+          <a:stretch>
+            <a:fillRect/>
+          </a:stretch>
+        </p:blipFill>
+        <p:spPr bwMode="auto">
+          <a:xfrm>
+            <a:off x="323528" y="2204864"/>
+            <a:ext cx="8424936" cy="3952598"/>
+          </a:xfrm>
+          <a:prstGeom prst="rect">
+            <a:avLst/>
+          </a:prstGeom>
+          <a:noFill/>
+          <a:ln>
+            <a:noFill/>
+          </a:ln>
+          <a:extLst>
+            <a:ext uri="{909E8E84-426E-40DD-AFC4-6F175D3DCCD1}">
+              <a14:hiddenFill xmlns:a14="http://schemas.microsoft.com/office/drawing/2010/main">
+                <a:solidFill>
+                  <a:schemeClr val="accent1"/>
+                </a:solidFill>
+              </a14:hiddenFill>
+            </a:ext>
+            <a:ext uri="{91240B29-F687-4F45-9708-019B960494DF}">
+              <a14:hiddenLine xmlns:a14="http://schemas.microsoft.com/office/drawing/2010/main" w="9525">
+                <a:solidFill>
+                  <a:schemeClr val="tx1"/>
+                </a:solidFill>
+                <a:miter lim="800000"/>
+                <a:headEnd/>
+                <a:tailEnd/>
+              </a14:hiddenLine>
+            </a:ext>
+          </a:extLst>
+        </p:spPr>
+      </p:pic>
+    </p:spTree>
+    <p:extLst>
+      <p:ext uri="{BB962C8B-B14F-4D97-AF65-F5344CB8AC3E}">
+        <p14:creationId xmlns:p14="http://schemas.microsoft.com/office/powerpoint/2010/main" val="700037591"/>
+      </p:ext>
+    </p:extLst>
+  </p:cSld>
+  <p:clrMapOvr>
+    <a:masterClrMapping/>
+  </p:clrMapOvr>
+  <p:timing>
+    <p:tnLst>
+      <p:par>
+        <p:cTn id="1" dur="indefinite" restart="never" nodeType="tmRoot"/>
+      </p:par>
+    </p:tnLst>
+  </p:timing>
+</p:sld>
+</file>
+
+<file path=ppt/slides/slide12.xml><?xml version="1.0" encoding="utf-8"?>
+<p:sld xmlns:a="http://schemas.openxmlformats.org/drawingml/2006/main" xmlns:r="http://schemas.openxmlformats.org/officeDocument/2006/relationships" xmlns:p="http://schemas.openxmlformats.org/presentationml/2006/main">
+  <p:cSld>
+    <p:spTree>
+      <p:nvGrpSpPr>
+        <p:cNvPr id="1" name=""/>
+        <p:cNvGrpSpPr/>
+        <p:nvPr/>
+      </p:nvGrpSpPr>
+      <p:grpSpPr>
+        <a:xfrm>
+          <a:off x="0" y="0"/>
+          <a:ext cx="0" cy="0"/>
+          <a:chOff x="0" y="0"/>
+          <a:chExt cx="0" cy="0"/>
+        </a:xfrm>
+      </p:grpSpPr>
+      <p:sp>
+        <p:nvSpPr>
+          <p:cNvPr id="2" name="標題 1"/>
+          <p:cNvSpPr>
+            <a:spLocks noGrp="1"/>
+          </p:cNvSpPr>
+          <p:nvPr>
+            <p:ph type="title"/>
+          </p:nvPr>
+        </p:nvSpPr>
+        <p:spPr/>
+        <p:txBody>
+          <a:bodyPr/>
+          <a:lstStyle/>
+          <a:p>
+            <a:r>
+              <a:rPr lang="en-US" altLang="zh-TW" b="1" dirty="0" smtClean="0">
+                <a:latin typeface="微軟正黑體" panose="020B0604030504040204" pitchFamily="34" charset="-120"/>
+                <a:ea typeface="微軟正黑體" panose="020B0604030504040204" pitchFamily="34" charset="-120"/>
+              </a:rPr>
+              <a:t>Models</a:t>
+            </a:r>
+            <a:endParaRPr lang="zh-TW" altLang="en-US" b="1" dirty="0">
+              <a:latin typeface="微軟正黑體" panose="020B0604030504040204" pitchFamily="34" charset="-120"/>
+              <a:ea typeface="微軟正黑體" panose="020B0604030504040204" pitchFamily="34" charset="-120"/>
+            </a:endParaRPr>
+          </a:p>
+        </p:txBody>
+      </p:sp>
+      <p:sp>
+        <p:nvSpPr>
+          <p:cNvPr id="3" name="內容版面配置區 2"/>
+          <p:cNvSpPr>
+            <a:spLocks noGrp="1"/>
+          </p:cNvSpPr>
+          <p:nvPr>
+            <p:ph idx="1"/>
+          </p:nvPr>
+        </p:nvSpPr>
+        <p:spPr/>
+        <p:txBody>
+          <a:bodyPr/>
+          <a:lstStyle/>
+          <a:p>
+            <a:r>
+              <a:rPr lang="zh-TW" altLang="en-US" dirty="0" smtClean="0">
+                <a:latin typeface="微軟正黑體" panose="020B0604030504040204" pitchFamily="34" charset="-120"/>
+                <a:ea typeface="微軟正黑體" panose="020B0604030504040204" pitchFamily="34" charset="-120"/>
+              </a:rPr>
               <a:t>顯示</a:t>
             </a:r>
             <a:r>
-              <a:rPr lang="en-US" altLang="zh-TW" dirty="0"/>
+              <a:rPr lang="en-US" altLang="zh-TW" dirty="0">
+                <a:latin typeface="微軟正黑體" panose="020B0604030504040204" pitchFamily="34" charset="-120"/>
+                <a:ea typeface="微軟正黑體" panose="020B0604030504040204" pitchFamily="34" charset="-120"/>
+              </a:rPr>
               <a:t>M</a:t>
             </a:r>
             <a:r>
-              <a:rPr lang="en-US" altLang="zh-TW" dirty="0" smtClean="0"/>
+              <a:rPr lang="en-US" altLang="zh-TW" dirty="0" smtClean="0">
+                <a:latin typeface="微軟正黑體" panose="020B0604030504040204" pitchFamily="34" charset="-120"/>
+                <a:ea typeface="微軟正黑體" panose="020B0604030504040204" pitchFamily="34" charset="-120"/>
+              </a:rPr>
               <a:t>odel</a:t>
             </a:r>
             <a:r>
-              <a:rPr lang="zh-TW" altLang="en-US" dirty="0" smtClean="0"/>
+              <a:rPr lang="zh-TW" altLang="en-US" dirty="0" smtClean="0">
+                <a:latin typeface="微軟正黑體" panose="020B0604030504040204" pitchFamily="34" charset="-120"/>
+                <a:ea typeface="微軟正黑體" panose="020B0604030504040204" pitchFamily="34" charset="-120"/>
+              </a:rPr>
               <a:t>物件</a:t>
             </a:r>
-            <a:endParaRPr lang="en-US" altLang="zh-TW" dirty="0" smtClean="0"/>
+            <a:endParaRPr lang="en-US" altLang="zh-TW" dirty="0" smtClean="0">
+              <a:latin typeface="微軟正黑體" panose="020B0604030504040204" pitchFamily="34" charset="-120"/>
+              <a:ea typeface="微軟正黑體" panose="020B0604030504040204" pitchFamily="34" charset="-120"/>
+            </a:endParaRPr>
           </a:p>
           <a:p>
             <a:endParaRPr lang="zh-TW" altLang="en-US" dirty="0"/>
@@ -4114,7 +4632,7 @@
 </p:sld>
 </file>
 
-<file path=ppt/slides/slide11.xml><?xml version="1.0" encoding="utf-8"?>
+<file path=ppt/slides/slide13.xml><?xml version="1.0" encoding="utf-8"?>
 <p:sld xmlns:a="http://schemas.openxmlformats.org/drawingml/2006/main" xmlns:r="http://schemas.openxmlformats.org/officeDocument/2006/relationships" xmlns:p="http://schemas.openxmlformats.org/presentationml/2006/main">
   <p:cSld>
     <p:spTree>
@@ -4215,6 +4733,97 @@
     <p:extLst>
       <p:ext uri="{BB962C8B-B14F-4D97-AF65-F5344CB8AC3E}">
         <p14:creationId xmlns:p14="http://schemas.microsoft.com/office/powerpoint/2010/main" val="3745730682"/>
+      </p:ext>
+    </p:extLst>
+  </p:cSld>
+  <p:clrMapOvr>
+    <a:masterClrMapping/>
+  </p:clrMapOvr>
+  <p:timing>
+    <p:tnLst>
+      <p:par>
+        <p:cTn id="1" dur="indefinite" restart="never" nodeType="tmRoot"/>
+      </p:par>
+    </p:tnLst>
+  </p:timing>
+</p:sld>
+</file>
+
+<file path=ppt/slides/slide14.xml><?xml version="1.0" encoding="utf-8"?>
+<p:sld xmlns:a="http://schemas.openxmlformats.org/drawingml/2006/main" xmlns:r="http://schemas.openxmlformats.org/officeDocument/2006/relationships" xmlns:p="http://schemas.openxmlformats.org/presentationml/2006/main">
+  <p:cSld>
+    <p:spTree>
+      <p:nvGrpSpPr>
+        <p:cNvPr id="1" name=""/>
+        <p:cNvGrpSpPr/>
+        <p:nvPr/>
+      </p:nvGrpSpPr>
+      <p:grpSpPr>
+        <a:xfrm>
+          <a:off x="0" y="0"/>
+          <a:ext cx="0" cy="0"/>
+          <a:chOff x="0" y="0"/>
+          <a:chExt cx="0" cy="0"/>
+        </a:xfrm>
+      </p:grpSpPr>
+      <p:pic>
+        <p:nvPicPr>
+          <p:cNvPr id="3" name="Picture 8" descr="http://www.medschoolcoach.com/wp-content/uploads/2010/12/thank-you.jpg"/>
+          <p:cNvPicPr>
+            <a:picLocks noChangeAspect="1" noChangeArrowheads="1"/>
+          </p:cNvPicPr>
+          <p:nvPr/>
+        </p:nvPicPr>
+        <p:blipFill>
+          <a:blip r:embed="rId2">
+            <a:extLst>
+              <a:ext uri="{28A0092B-C50C-407E-A947-70E740481C1C}">
+                <a14:useLocalDpi xmlns:a14="http://schemas.microsoft.com/office/drawing/2010/main" val="0"/>
+              </a:ext>
+            </a:extLst>
+          </a:blip>
+          <a:srcRect/>
+          <a:stretch>
+            <a:fillRect/>
+          </a:stretch>
+        </p:blipFill>
+        <p:spPr bwMode="auto">
+          <a:xfrm>
+            <a:off x="1760538" y="1341438"/>
+            <a:ext cx="5622925" cy="4498975"/>
+          </a:xfrm>
+          <a:prstGeom prst="rect">
+            <a:avLst/>
+          </a:prstGeom>
+          <a:noFill/>
+          <a:ln>
+            <a:noFill/>
+          </a:ln>
+          <a:extLst>
+            <a:ext uri="{909E8E84-426E-40DD-AFC4-6F175D3DCCD1}">
+              <a14:hiddenFill xmlns:a14="http://schemas.microsoft.com/office/drawing/2010/main">
+                <a:solidFill>
+                  <a:srgbClr val="FFFFFF"/>
+                </a:solidFill>
+              </a14:hiddenFill>
+            </a:ext>
+            <a:ext uri="{91240B29-F687-4F45-9708-019B960494DF}">
+              <a14:hiddenLine xmlns:a14="http://schemas.microsoft.com/office/drawing/2010/main" w="9525">
+                <a:solidFill>
+                  <a:srgbClr val="000000"/>
+                </a:solidFill>
+                <a:miter lim="800000"/>
+                <a:headEnd/>
+                <a:tailEnd/>
+              </a14:hiddenLine>
+            </a:ext>
+          </a:extLst>
+        </p:spPr>
+      </p:pic>
+    </p:spTree>
+    <p:extLst>
+      <p:ext uri="{BB962C8B-B14F-4D97-AF65-F5344CB8AC3E}">
+        <p14:creationId xmlns:p14="http://schemas.microsoft.com/office/powerpoint/2010/main" val="3259466740"/>
       </p:ext>
     </p:extLst>
   </p:cSld>
@@ -4264,14 +4873,16 @@
           <a:lstStyle/>
           <a:p>
             <a:r>
-              <a:rPr lang="en-US" altLang="zh-TW" dirty="0" smtClean="0"/>
-              <a:t>SWAGGER</a:t>
-            </a:r>
-            <a:r>
-              <a:rPr lang="zh-TW" altLang="en-US" dirty="0" smtClean="0"/>
-              <a:t> </a:t>
-            </a:r>
-            <a:endParaRPr lang="zh-TW" altLang="en-US" dirty="0"/>
+              <a:rPr lang="en-US" altLang="zh-TW" b="1" dirty="0" smtClean="0">
+                <a:latin typeface="微軟正黑體" panose="020B0604030504040204" pitchFamily="34" charset="-120"/>
+                <a:ea typeface="微軟正黑體" panose="020B0604030504040204" pitchFamily="34" charset="-120"/>
+              </a:rPr>
+              <a:t>swagger</a:t>
+            </a:r>
+            <a:endParaRPr lang="zh-TW" altLang="en-US" b="1" dirty="0">
+              <a:latin typeface="微軟正黑體" panose="020B0604030504040204" pitchFamily="34" charset="-120"/>
+              <a:ea typeface="微軟正黑體" panose="020B0604030504040204" pitchFamily="34" charset="-120"/>
+            </a:endParaRPr>
           </a:p>
         </p:txBody>
       </p:sp>
@@ -4287,8 +4898,8 @@
         </p:nvSpPr>
         <p:spPr>
           <a:xfrm>
-            <a:off x="457200" y="1600201"/>
-            <a:ext cx="8229600" cy="1468760"/>
+            <a:off x="457200" y="1600200"/>
+            <a:ext cx="8229600" cy="4205063"/>
           </a:xfrm>
         </p:spPr>
         <p:txBody>
@@ -4296,586 +4907,227 @@
           <a:lstStyle/>
           <a:p>
             <a:r>
-              <a:rPr lang="en-US" altLang="zh-TW" sz="1800" dirty="0"/>
-              <a:t>SWAGGER UI</a:t>
-            </a:r>
-            <a:r>
-              <a:rPr lang="zh-TW" altLang="en-US" sz="1800" dirty="0"/>
+              <a:rPr lang="en-US" altLang="zh-TW" dirty="0">
+                <a:latin typeface="微軟正黑體" panose="020B0604030504040204" pitchFamily="34" charset="-120"/>
+                <a:ea typeface="微軟正黑體" panose="020B0604030504040204" pitchFamily="34" charset="-120"/>
+              </a:rPr>
+              <a:t>s</a:t>
+            </a:r>
+            <a:r>
+              <a:rPr lang="en-US" altLang="zh-TW" dirty="0" smtClean="0">
+                <a:latin typeface="微軟正黑體" panose="020B0604030504040204" pitchFamily="34" charset="-120"/>
+                <a:ea typeface="微軟正黑體" panose="020B0604030504040204" pitchFamily="34" charset="-120"/>
+              </a:rPr>
+              <a:t>wagger UI</a:t>
+            </a:r>
+            <a:r>
+              <a:rPr lang="zh-TW" altLang="en-US" dirty="0" smtClean="0">
+                <a:latin typeface="微軟正黑體" panose="020B0604030504040204" pitchFamily="34" charset="-120"/>
+                <a:ea typeface="微軟正黑體" panose="020B0604030504040204" pitchFamily="34" charset="-120"/>
+              </a:rPr>
               <a:t>是</a:t>
             </a:r>
             <a:r>
-              <a:rPr lang="en-US" altLang="zh-TW" sz="1800" dirty="0"/>
-              <a:t>SWAGGER</a:t>
-            </a:r>
-            <a:r>
-              <a:rPr lang="zh-TW" altLang="en-US" sz="1800" dirty="0"/>
-              <a:t>的一個</a:t>
-            </a:r>
-            <a:r>
-              <a:rPr lang="zh-TW" altLang="en-US" sz="1800" dirty="0">
+              <a:rPr lang="en-US" altLang="zh-TW" dirty="0" smtClean="0">
+                <a:latin typeface="微軟正黑體" panose="020B0604030504040204" pitchFamily="34" charset="-120"/>
+                <a:ea typeface="微軟正黑體" panose="020B0604030504040204" pitchFamily="34" charset="-120"/>
+              </a:rPr>
+              <a:t>swagger</a:t>
+            </a:r>
+            <a:r>
+              <a:rPr lang="zh-TW" altLang="en-US" dirty="0" smtClean="0">
+                <a:latin typeface="微軟正黑體" panose="020B0604030504040204" pitchFamily="34" charset="-120"/>
+                <a:ea typeface="微軟正黑體" panose="020B0604030504040204" pitchFamily="34" charset="-120"/>
+              </a:rPr>
+              <a:t>的</a:t>
+            </a:r>
+            <a:r>
+              <a:rPr lang="zh-TW" altLang="en-US" dirty="0">
+                <a:latin typeface="微軟正黑體" panose="020B0604030504040204" pitchFamily="34" charset="-120"/>
+                <a:ea typeface="微軟正黑體" panose="020B0604030504040204" pitchFamily="34" charset="-120"/>
+              </a:rPr>
+              <a:t>一個</a:t>
+            </a:r>
+            <a:r>
+              <a:rPr lang="zh-TW" altLang="en-US" dirty="0">
                 <a:solidFill>
                   <a:srgbClr val="FF0000"/>
                 </a:solidFill>
+                <a:latin typeface="微軟正黑體" panose="020B0604030504040204" pitchFamily="34" charset="-120"/>
+                <a:ea typeface="微軟正黑體" panose="020B0604030504040204" pitchFamily="34" charset="-120"/>
               </a:rPr>
               <a:t>開源</a:t>
             </a:r>
             <a:r>
-              <a:rPr lang="zh-TW" altLang="en-US" sz="1800" dirty="0"/>
+              <a:rPr lang="zh-TW" altLang="en-US" dirty="0">
+                <a:latin typeface="微軟正黑體" panose="020B0604030504040204" pitchFamily="34" charset="-120"/>
+                <a:ea typeface="微軟正黑體" panose="020B0604030504040204" pitchFamily="34" charset="-120"/>
+              </a:rPr>
               <a:t>的專案，可以實現自動產生線上</a:t>
             </a:r>
             <a:r>
-              <a:rPr lang="en-US" altLang="zh-TW" sz="1800" dirty="0"/>
+              <a:rPr lang="en-US" altLang="zh-TW" dirty="0">
+                <a:latin typeface="微軟正黑體" panose="020B0604030504040204" pitchFamily="34" charset="-120"/>
+                <a:ea typeface="微軟正黑體" panose="020B0604030504040204" pitchFamily="34" charset="-120"/>
+              </a:rPr>
               <a:t>API</a:t>
             </a:r>
             <a:r>
-              <a:rPr lang="zh-TW" altLang="en-US" sz="1800" dirty="0">
+              <a:rPr lang="zh-TW" altLang="en-US" dirty="0">
                 <a:solidFill>
                   <a:srgbClr val="FF0000"/>
                 </a:solidFill>
+                <a:latin typeface="微軟正黑體" panose="020B0604030504040204" pitchFamily="34" charset="-120"/>
+                <a:ea typeface="微軟正黑體" panose="020B0604030504040204" pitchFamily="34" charset="-120"/>
               </a:rPr>
               <a:t>文檔</a:t>
             </a:r>
             <a:r>
-              <a:rPr lang="zh-TW" altLang="en-US" sz="1800" dirty="0"/>
+              <a:rPr lang="zh-TW" altLang="en-US" dirty="0">
+                <a:latin typeface="微軟正黑體" panose="020B0604030504040204" pitchFamily="34" charset="-120"/>
+                <a:ea typeface="微軟正黑體" panose="020B0604030504040204" pitchFamily="34" charset="-120"/>
+              </a:rPr>
               <a:t>的</a:t>
             </a:r>
             <a:r>
-              <a:rPr lang="zh-TW" altLang="en-US" sz="1800" dirty="0" smtClean="0"/>
+              <a:rPr lang="zh-TW" altLang="en-US" dirty="0" smtClean="0">
+                <a:latin typeface="微軟正黑體" panose="020B0604030504040204" pitchFamily="34" charset="-120"/>
+                <a:ea typeface="微軟正黑體" panose="020B0604030504040204" pitchFamily="34" charset="-120"/>
+              </a:rPr>
               <a:t>工具</a:t>
             </a:r>
-            <a:endParaRPr lang="en-US" altLang="zh-TW" sz="1800" dirty="0" smtClean="0"/>
-          </a:p>
-          <a:p>
-            <a:r>
-              <a:rPr lang="en-US" altLang="zh-TW" sz="1800" dirty="0" smtClean="0"/>
-              <a:t>Swagger</a:t>
-            </a:r>
-            <a:r>
-              <a:rPr lang="zh-TW" altLang="en-US" sz="1800" dirty="0"/>
+            <a:endParaRPr lang="en-US" altLang="zh-TW" dirty="0" smtClean="0">
+              <a:latin typeface="微軟正黑體" panose="020B0604030504040204" pitchFamily="34" charset="-120"/>
+              <a:ea typeface="微軟正黑體" panose="020B0604030504040204" pitchFamily="34" charset="-120"/>
+            </a:endParaRPr>
+          </a:p>
+          <a:p>
+            <a:pPr marL="0" indent="0">
+              <a:buNone/>
+            </a:pPr>
+            <a:endParaRPr lang="en-US" altLang="zh-TW" dirty="0" smtClean="0">
+              <a:latin typeface="微軟正黑體" panose="020B0604030504040204" pitchFamily="34" charset="-120"/>
+              <a:ea typeface="微軟正黑體" panose="020B0604030504040204" pitchFamily="34" charset="-120"/>
+            </a:endParaRPr>
+          </a:p>
+          <a:p>
+            <a:r>
+              <a:rPr lang="en-US" altLang="zh-TW" dirty="0" smtClean="0">
+                <a:latin typeface="微軟正黑體" panose="020B0604030504040204" pitchFamily="34" charset="-120"/>
+                <a:ea typeface="微軟正黑體" panose="020B0604030504040204" pitchFamily="34" charset="-120"/>
+              </a:rPr>
+              <a:t>swagger</a:t>
+            </a:r>
+            <a:r>
+              <a:rPr lang="zh-TW" altLang="en-US" dirty="0" smtClean="0">
+                <a:latin typeface="微軟正黑體" panose="020B0604030504040204" pitchFamily="34" charset="-120"/>
+                <a:ea typeface="微軟正黑體" panose="020B0604030504040204" pitchFamily="34" charset="-120"/>
+              </a:rPr>
               <a:t>是</a:t>
             </a:r>
             <a:r>
-              <a:rPr lang="en-US" altLang="zh-TW" sz="1800" dirty="0"/>
+              <a:rPr lang="en-US" altLang="zh-TW" dirty="0">
+                <a:latin typeface="微軟正黑體" panose="020B0604030504040204" pitchFamily="34" charset="-120"/>
+                <a:ea typeface="微軟正黑體" panose="020B0604030504040204" pitchFamily="34" charset="-120"/>
+              </a:rPr>
               <a:t>API</a:t>
             </a:r>
             <a:r>
-              <a:rPr lang="zh-TW" altLang="en-US" sz="1800" dirty="0"/>
+              <a:rPr lang="zh-TW" altLang="en-US" dirty="0">
+                <a:latin typeface="微軟正黑體" panose="020B0604030504040204" pitchFamily="34" charset="-120"/>
+                <a:ea typeface="微軟正黑體" panose="020B0604030504040204" pitchFamily="34" charset="-120"/>
+              </a:rPr>
               <a:t>開發工具框架，支持從</a:t>
             </a:r>
             <a:r>
-              <a:rPr lang="zh-TW" altLang="en-US" sz="1800" dirty="0">
+              <a:rPr lang="zh-TW" altLang="en-US" dirty="0">
                 <a:solidFill>
                   <a:srgbClr val="FF0000"/>
                 </a:solidFill>
+                <a:latin typeface="微軟正黑體" panose="020B0604030504040204" pitchFamily="34" charset="-120"/>
+                <a:ea typeface="微軟正黑體" panose="020B0604030504040204" pitchFamily="34" charset="-120"/>
               </a:rPr>
               <a:t>設計</a:t>
             </a:r>
             <a:r>
-              <a:rPr lang="zh-TW" altLang="en-US" sz="1800" dirty="0"/>
+              <a:rPr lang="zh-TW" altLang="en-US" dirty="0">
+                <a:latin typeface="微軟正黑體" panose="020B0604030504040204" pitchFamily="34" charset="-120"/>
+                <a:ea typeface="微軟正黑體" panose="020B0604030504040204" pitchFamily="34" charset="-120"/>
+              </a:rPr>
               <a:t>和</a:t>
             </a:r>
             <a:r>
-              <a:rPr lang="zh-TW" altLang="en-US" sz="1800" dirty="0">
+              <a:rPr lang="zh-TW" altLang="en-US" dirty="0">
                 <a:solidFill>
                   <a:srgbClr val="FF0000"/>
                 </a:solidFill>
+                <a:latin typeface="微軟正黑體" panose="020B0604030504040204" pitchFamily="34" charset="-120"/>
+                <a:ea typeface="微軟正黑體" panose="020B0604030504040204" pitchFamily="34" charset="-120"/>
               </a:rPr>
               <a:t>文檔</a:t>
             </a:r>
             <a:r>
-              <a:rPr lang="zh-TW" altLang="en-US" sz="1800" dirty="0"/>
+              <a:rPr lang="zh-TW" altLang="en-US" dirty="0">
+                <a:latin typeface="微軟正黑體" panose="020B0604030504040204" pitchFamily="34" charset="-120"/>
+                <a:ea typeface="微軟正黑體" panose="020B0604030504040204" pitchFamily="34" charset="-120"/>
+              </a:rPr>
               <a:t>到</a:t>
             </a:r>
             <a:r>
-              <a:rPr lang="zh-TW" altLang="en-US" sz="1800" dirty="0">
+              <a:rPr lang="zh-TW" altLang="en-US" dirty="0">
                 <a:solidFill>
                   <a:srgbClr val="FF0000"/>
                 </a:solidFill>
+                <a:latin typeface="微軟正黑體" panose="020B0604030504040204" pitchFamily="34" charset="-120"/>
+                <a:ea typeface="微軟正黑體" panose="020B0604030504040204" pitchFamily="34" charset="-120"/>
               </a:rPr>
               <a:t>測試</a:t>
             </a:r>
             <a:r>
-              <a:rPr lang="zh-TW" altLang="en-US" sz="1800" dirty="0"/>
+              <a:rPr lang="zh-TW" altLang="en-US" dirty="0">
+                <a:latin typeface="微軟正黑體" panose="020B0604030504040204" pitchFamily="34" charset="-120"/>
+                <a:ea typeface="微軟正黑體" panose="020B0604030504040204" pitchFamily="34" charset="-120"/>
+              </a:rPr>
               <a:t>和</a:t>
             </a:r>
             <a:r>
-              <a:rPr lang="zh-TW" altLang="en-US" sz="1800" dirty="0">
+              <a:rPr lang="zh-TW" altLang="en-US" dirty="0">
                 <a:solidFill>
                   <a:srgbClr val="FF0000"/>
                 </a:solidFill>
+                <a:latin typeface="微軟正黑體" panose="020B0604030504040204" pitchFamily="34" charset="-120"/>
+                <a:ea typeface="微軟正黑體" panose="020B0604030504040204" pitchFamily="34" charset="-120"/>
               </a:rPr>
               <a:t>部署</a:t>
             </a:r>
             <a:r>
-              <a:rPr lang="zh-TW" altLang="en-US" sz="1800" dirty="0"/>
+              <a:rPr lang="zh-TW" altLang="en-US" dirty="0">
+                <a:latin typeface="微軟正黑體" panose="020B0604030504040204" pitchFamily="34" charset="-120"/>
+                <a:ea typeface="微軟正黑體" panose="020B0604030504040204" pitchFamily="34" charset="-120"/>
+              </a:rPr>
               <a:t>的整個</a:t>
             </a:r>
             <a:r>
-              <a:rPr lang="en-US" altLang="zh-TW" sz="1800" dirty="0"/>
+              <a:rPr lang="en-US" altLang="zh-TW" dirty="0">
+                <a:latin typeface="微軟正黑體" panose="020B0604030504040204" pitchFamily="34" charset="-120"/>
+                <a:ea typeface="微軟正黑體" panose="020B0604030504040204" pitchFamily="34" charset="-120"/>
+              </a:rPr>
               <a:t>API</a:t>
             </a:r>
             <a:r>
-              <a:rPr lang="zh-TW" altLang="en-US" sz="1800" dirty="0"/>
-              <a:t>生命週期的開發。</a:t>
-            </a:r>
-          </a:p>
-        </p:txBody>
-      </p:sp>
-      <p:sp>
-        <p:nvSpPr>
-          <p:cNvPr id="5" name="標題 1"/>
-          <p:cNvSpPr txBox="1">
-            <a:spLocks/>
-          </p:cNvSpPr>
-          <p:nvPr/>
-        </p:nvSpPr>
-        <p:spPr bwMode="auto">
-          <a:xfrm>
-            <a:off x="609600" y="2852936"/>
-            <a:ext cx="8229600" cy="1143000"/>
-          </a:xfrm>
-          <a:prstGeom prst="rect">
-            <a:avLst/>
-          </a:prstGeom>
-          <a:noFill/>
-          <a:ln>
-            <a:noFill/>
-          </a:ln>
-          <a:effectLst/>
-          <a:extLst>
-            <a:ext uri="{909E8E84-426E-40DD-AFC4-6F175D3DCCD1}">
-              <a14:hiddenFill xmlns:a14="http://schemas.microsoft.com/office/drawing/2010/main">
-                <a:solidFill>
-                  <a:schemeClr val="accent1"/>
-                </a:solidFill>
-              </a14:hiddenFill>
-            </a:ext>
-            <a:ext uri="{91240B29-F687-4F45-9708-019B960494DF}">
-              <a14:hiddenLine xmlns:a14="http://schemas.microsoft.com/office/drawing/2010/main" w="9525">
-                <a:solidFill>
-                  <a:schemeClr val="tx1"/>
-                </a:solidFill>
-                <a:miter lim="800000"/>
-                <a:headEnd/>
-                <a:tailEnd/>
-              </a14:hiddenLine>
-            </a:ext>
-            <a:ext uri="{AF507438-7753-43E0-B8FC-AC1667EBCBE1}">
-              <a14:hiddenEffects xmlns:a14="http://schemas.microsoft.com/office/drawing/2010/main">
-                <a:effectLst>
-                  <a:outerShdw dist="35921" dir="2700000" algn="ctr" rotWithShape="0">
-                    <a:schemeClr val="bg2"/>
-                  </a:outerShdw>
-                </a:effectLst>
-              </a14:hiddenEffects>
-            </a:ext>
-          </a:extLst>
-        </p:spPr>
-        <p:txBody>
-          <a:bodyPr vert="horz" wrap="square" lIns="91440" tIns="45720" rIns="91440" bIns="45720" numCol="1" anchor="ctr" anchorCtr="0" compatLnSpc="1">
-            <a:prstTxWarp prst="textNoShape">
-              <a:avLst/>
-            </a:prstTxWarp>
-          </a:bodyPr>
-          <a:lstStyle>
-            <a:lvl1pPr algn="ctr" rtl="0" eaLnBrk="1" fontAlgn="base" hangingPunct="1">
-              <a:spcBef>
-                <a:spcPct val="0"/>
-              </a:spcBef>
-              <a:spcAft>
-                <a:spcPct val="0"/>
-              </a:spcAft>
-              <a:defRPr kumimoji="1" sz="4400">
-                <a:solidFill>
-                  <a:schemeClr val="tx2"/>
-                </a:solidFill>
-                <a:latin typeface="+mj-lt"/>
-                <a:ea typeface="+mj-ea"/>
-                <a:cs typeface="+mj-cs"/>
-              </a:defRPr>
-            </a:lvl1pPr>
-            <a:lvl2pPr algn="ctr" rtl="0" eaLnBrk="1" fontAlgn="base" hangingPunct="1">
-              <a:spcBef>
-                <a:spcPct val="0"/>
-              </a:spcBef>
-              <a:spcAft>
-                <a:spcPct val="0"/>
-              </a:spcAft>
-              <a:defRPr kumimoji="1" sz="4400">
-                <a:solidFill>
-                  <a:schemeClr val="tx2"/>
-                </a:solidFill>
-                <a:latin typeface="Arial" pitchFamily="34" charset="0"/>
-                <a:ea typeface="新細明體" pitchFamily="18" charset="-120"/>
-              </a:defRPr>
-            </a:lvl2pPr>
-            <a:lvl3pPr algn="ctr" rtl="0" eaLnBrk="1" fontAlgn="base" hangingPunct="1">
-              <a:spcBef>
-                <a:spcPct val="0"/>
-              </a:spcBef>
-              <a:spcAft>
-                <a:spcPct val="0"/>
-              </a:spcAft>
-              <a:defRPr kumimoji="1" sz="4400">
-                <a:solidFill>
-                  <a:schemeClr val="tx2"/>
-                </a:solidFill>
-                <a:latin typeface="Arial" pitchFamily="34" charset="0"/>
-                <a:ea typeface="新細明體" pitchFamily="18" charset="-120"/>
-              </a:defRPr>
-            </a:lvl3pPr>
-            <a:lvl4pPr algn="ctr" rtl="0" eaLnBrk="1" fontAlgn="base" hangingPunct="1">
-              <a:spcBef>
-                <a:spcPct val="0"/>
-              </a:spcBef>
-              <a:spcAft>
-                <a:spcPct val="0"/>
-              </a:spcAft>
-              <a:defRPr kumimoji="1" sz="4400">
-                <a:solidFill>
-                  <a:schemeClr val="tx2"/>
-                </a:solidFill>
-                <a:latin typeface="Arial" pitchFamily="34" charset="0"/>
-                <a:ea typeface="新細明體" pitchFamily="18" charset="-120"/>
-              </a:defRPr>
-            </a:lvl4pPr>
-            <a:lvl5pPr algn="ctr" rtl="0" eaLnBrk="1" fontAlgn="base" hangingPunct="1">
-              <a:spcBef>
-                <a:spcPct val="0"/>
-              </a:spcBef>
-              <a:spcAft>
-                <a:spcPct val="0"/>
-              </a:spcAft>
-              <a:defRPr kumimoji="1" sz="4400">
-                <a:solidFill>
-                  <a:schemeClr val="tx2"/>
-                </a:solidFill>
-                <a:latin typeface="Arial" pitchFamily="34" charset="0"/>
-                <a:ea typeface="新細明體" pitchFamily="18" charset="-120"/>
-              </a:defRPr>
-            </a:lvl5pPr>
-            <a:lvl6pPr marL="457200" algn="ctr" rtl="0" eaLnBrk="1" fontAlgn="base" hangingPunct="1">
-              <a:spcBef>
-                <a:spcPct val="0"/>
-              </a:spcBef>
-              <a:spcAft>
-                <a:spcPct val="0"/>
-              </a:spcAft>
-              <a:defRPr kumimoji="1" sz="4400">
-                <a:solidFill>
-                  <a:schemeClr val="tx2"/>
-                </a:solidFill>
-                <a:latin typeface="Arial" pitchFamily="34" charset="0"/>
-                <a:ea typeface="新細明體" pitchFamily="18" charset="-120"/>
-              </a:defRPr>
-            </a:lvl6pPr>
-            <a:lvl7pPr marL="914400" algn="ctr" rtl="0" eaLnBrk="1" fontAlgn="base" hangingPunct="1">
-              <a:spcBef>
-                <a:spcPct val="0"/>
-              </a:spcBef>
-              <a:spcAft>
-                <a:spcPct val="0"/>
-              </a:spcAft>
-              <a:defRPr kumimoji="1" sz="4400">
-                <a:solidFill>
-                  <a:schemeClr val="tx2"/>
-                </a:solidFill>
-                <a:latin typeface="Arial" pitchFamily="34" charset="0"/>
-                <a:ea typeface="新細明體" pitchFamily="18" charset="-120"/>
-              </a:defRPr>
-            </a:lvl7pPr>
-            <a:lvl8pPr marL="1371600" algn="ctr" rtl="0" eaLnBrk="1" fontAlgn="base" hangingPunct="1">
-              <a:spcBef>
-                <a:spcPct val="0"/>
-              </a:spcBef>
-              <a:spcAft>
-                <a:spcPct val="0"/>
-              </a:spcAft>
-              <a:defRPr kumimoji="1" sz="4400">
-                <a:solidFill>
-                  <a:schemeClr val="tx2"/>
-                </a:solidFill>
-                <a:latin typeface="Arial" pitchFamily="34" charset="0"/>
-                <a:ea typeface="新細明體" pitchFamily="18" charset="-120"/>
-              </a:defRPr>
-            </a:lvl8pPr>
-            <a:lvl9pPr marL="1828800" algn="ctr" rtl="0" eaLnBrk="1" fontAlgn="base" hangingPunct="1">
-              <a:spcBef>
-                <a:spcPct val="0"/>
-              </a:spcBef>
-              <a:spcAft>
-                <a:spcPct val="0"/>
-              </a:spcAft>
-              <a:defRPr kumimoji="1" sz="4400">
-                <a:solidFill>
-                  <a:schemeClr val="tx2"/>
-                </a:solidFill>
-                <a:latin typeface="Arial" pitchFamily="34" charset="0"/>
-                <a:ea typeface="新細明體" pitchFamily="18" charset="-120"/>
-              </a:defRPr>
-            </a:lvl9pPr>
-          </a:lstStyle>
-          <a:p>
-            <a:r>
-              <a:rPr lang="en-US" altLang="zh-TW" kern="0" dirty="0" smtClean="0"/>
-              <a:t>SWAGGER UI</a:t>
-            </a:r>
-            <a:r>
-              <a:rPr lang="zh-TW" altLang="en-US" kern="0" dirty="0" smtClean="0"/>
-              <a:t>的優點</a:t>
-            </a:r>
-            <a:endParaRPr lang="zh-TW" altLang="en-US" kern="0" dirty="0"/>
-          </a:p>
-        </p:txBody>
-      </p:sp>
-      <p:sp>
-        <p:nvSpPr>
-          <p:cNvPr id="7" name="內容版面配置區 2"/>
-          <p:cNvSpPr txBox="1">
-            <a:spLocks/>
-          </p:cNvSpPr>
-          <p:nvPr/>
-        </p:nvSpPr>
-        <p:spPr bwMode="auto">
-          <a:xfrm>
-            <a:off x="609600" y="3995936"/>
-            <a:ext cx="8229600" cy="1468760"/>
-          </a:xfrm>
-          <a:prstGeom prst="rect">
-            <a:avLst/>
-          </a:prstGeom>
-          <a:noFill/>
-          <a:ln>
-            <a:noFill/>
-          </a:ln>
-          <a:effectLst/>
-          <a:extLst>
-            <a:ext uri="{909E8E84-426E-40DD-AFC4-6F175D3DCCD1}">
-              <a14:hiddenFill xmlns:a14="http://schemas.microsoft.com/office/drawing/2010/main">
-                <a:solidFill>
-                  <a:schemeClr val="accent1"/>
-                </a:solidFill>
-              </a14:hiddenFill>
-            </a:ext>
-            <a:ext uri="{91240B29-F687-4F45-9708-019B960494DF}">
-              <a14:hiddenLine xmlns:a14="http://schemas.microsoft.com/office/drawing/2010/main" w="9525">
-                <a:solidFill>
-                  <a:schemeClr val="tx1"/>
-                </a:solidFill>
-                <a:miter lim="800000"/>
-                <a:headEnd/>
-                <a:tailEnd/>
-              </a14:hiddenLine>
-            </a:ext>
-            <a:ext uri="{AF507438-7753-43E0-B8FC-AC1667EBCBE1}">
-              <a14:hiddenEffects xmlns:a14="http://schemas.microsoft.com/office/drawing/2010/main">
-                <a:effectLst>
-                  <a:outerShdw dist="35921" dir="2700000" algn="ctr" rotWithShape="0">
-                    <a:schemeClr val="bg2"/>
-                  </a:outerShdw>
-                </a:effectLst>
-              </a14:hiddenEffects>
-            </a:ext>
-          </a:extLst>
-        </p:spPr>
-        <p:txBody>
-          <a:bodyPr vert="horz" wrap="square" lIns="91440" tIns="45720" rIns="91440" bIns="45720" numCol="1" anchor="t" anchorCtr="0" compatLnSpc="1">
-            <a:prstTxWarp prst="textNoShape">
-              <a:avLst/>
-            </a:prstTxWarp>
-          </a:bodyPr>
-          <a:lstStyle>
-            <a:lvl1pPr marL="342900" indent="-342900" algn="l" rtl="0" eaLnBrk="1" fontAlgn="base" hangingPunct="1">
-              <a:spcBef>
-                <a:spcPct val="20000"/>
-              </a:spcBef>
-              <a:spcAft>
-                <a:spcPct val="0"/>
-              </a:spcAft>
-              <a:buChar char="•"/>
-              <a:defRPr kumimoji="1" sz="3200">
-                <a:solidFill>
-                  <a:schemeClr val="tx1"/>
-                </a:solidFill>
-                <a:latin typeface="+mn-lt"/>
-                <a:ea typeface="+mn-ea"/>
-                <a:cs typeface="+mn-cs"/>
-              </a:defRPr>
-            </a:lvl1pPr>
-            <a:lvl2pPr marL="742950" indent="-285750" algn="l" rtl="0" eaLnBrk="1" fontAlgn="base" hangingPunct="1">
-              <a:spcBef>
-                <a:spcPct val="20000"/>
-              </a:spcBef>
-              <a:spcAft>
-                <a:spcPct val="0"/>
-              </a:spcAft>
-              <a:buChar char="–"/>
-              <a:defRPr kumimoji="1" sz="2800">
-                <a:solidFill>
-                  <a:schemeClr val="tx1"/>
-                </a:solidFill>
-                <a:latin typeface="+mn-lt"/>
-                <a:ea typeface="+mn-ea"/>
-              </a:defRPr>
-            </a:lvl2pPr>
-            <a:lvl3pPr marL="1143000" indent="-228600" algn="l" rtl="0" eaLnBrk="1" fontAlgn="base" hangingPunct="1">
-              <a:spcBef>
-                <a:spcPct val="20000"/>
-              </a:spcBef>
-              <a:spcAft>
-                <a:spcPct val="0"/>
-              </a:spcAft>
-              <a:buChar char="•"/>
-              <a:defRPr kumimoji="1" sz="2400">
-                <a:solidFill>
-                  <a:schemeClr val="tx1"/>
-                </a:solidFill>
-                <a:latin typeface="+mn-lt"/>
-                <a:ea typeface="+mn-ea"/>
-              </a:defRPr>
-            </a:lvl3pPr>
-            <a:lvl4pPr marL="1600200" indent="-228600" algn="l" rtl="0" eaLnBrk="1" fontAlgn="base" hangingPunct="1">
-              <a:spcBef>
-                <a:spcPct val="20000"/>
-              </a:spcBef>
-              <a:spcAft>
-                <a:spcPct val="0"/>
-              </a:spcAft>
-              <a:buChar char="–"/>
-              <a:defRPr kumimoji="1" sz="2000">
-                <a:solidFill>
-                  <a:schemeClr val="tx1"/>
-                </a:solidFill>
-                <a:latin typeface="+mn-lt"/>
-                <a:ea typeface="+mn-ea"/>
-              </a:defRPr>
-            </a:lvl4pPr>
-            <a:lvl5pPr marL="2057400" indent="-228600" algn="l" rtl="0" eaLnBrk="1" fontAlgn="base" hangingPunct="1">
-              <a:spcBef>
-                <a:spcPct val="20000"/>
-              </a:spcBef>
-              <a:spcAft>
-                <a:spcPct val="0"/>
-              </a:spcAft>
-              <a:buChar char="»"/>
-              <a:defRPr kumimoji="1" sz="2000">
-                <a:solidFill>
-                  <a:schemeClr val="tx1"/>
-                </a:solidFill>
-                <a:latin typeface="+mn-lt"/>
-                <a:ea typeface="+mn-ea"/>
-              </a:defRPr>
-            </a:lvl5pPr>
-            <a:lvl6pPr marL="2514600" indent="-228600" algn="l" rtl="0" eaLnBrk="1" fontAlgn="base" hangingPunct="1">
-              <a:spcBef>
-                <a:spcPct val="20000"/>
-              </a:spcBef>
-              <a:spcAft>
-                <a:spcPct val="0"/>
-              </a:spcAft>
-              <a:buChar char="»"/>
-              <a:defRPr kumimoji="1" sz="2000">
-                <a:solidFill>
-                  <a:schemeClr val="tx1"/>
-                </a:solidFill>
-                <a:latin typeface="+mn-lt"/>
-                <a:ea typeface="+mn-ea"/>
-              </a:defRPr>
-            </a:lvl6pPr>
-            <a:lvl7pPr marL="2971800" indent="-228600" algn="l" rtl="0" eaLnBrk="1" fontAlgn="base" hangingPunct="1">
-              <a:spcBef>
-                <a:spcPct val="20000"/>
-              </a:spcBef>
-              <a:spcAft>
-                <a:spcPct val="0"/>
-              </a:spcAft>
-              <a:buChar char="»"/>
-              <a:defRPr kumimoji="1" sz="2000">
-                <a:solidFill>
-                  <a:schemeClr val="tx1"/>
-                </a:solidFill>
-                <a:latin typeface="+mn-lt"/>
-                <a:ea typeface="+mn-ea"/>
-              </a:defRPr>
-            </a:lvl7pPr>
-            <a:lvl8pPr marL="3429000" indent="-228600" algn="l" rtl="0" eaLnBrk="1" fontAlgn="base" hangingPunct="1">
-              <a:spcBef>
-                <a:spcPct val="20000"/>
-              </a:spcBef>
-              <a:spcAft>
-                <a:spcPct val="0"/>
-              </a:spcAft>
-              <a:buChar char="»"/>
-              <a:defRPr kumimoji="1" sz="2000">
-                <a:solidFill>
-                  <a:schemeClr val="tx1"/>
-                </a:solidFill>
-                <a:latin typeface="+mn-lt"/>
-                <a:ea typeface="+mn-ea"/>
-              </a:defRPr>
-            </a:lvl8pPr>
-            <a:lvl9pPr marL="3886200" indent="-228600" algn="l" rtl="0" eaLnBrk="1" fontAlgn="base" hangingPunct="1">
-              <a:spcBef>
-                <a:spcPct val="20000"/>
-              </a:spcBef>
-              <a:spcAft>
-                <a:spcPct val="0"/>
-              </a:spcAft>
-              <a:buChar char="»"/>
-              <a:defRPr kumimoji="1" sz="2000">
-                <a:solidFill>
-                  <a:schemeClr val="tx1"/>
-                </a:solidFill>
-                <a:latin typeface="+mn-lt"/>
-                <a:ea typeface="+mn-ea"/>
-              </a:defRPr>
-            </a:lvl9pPr>
-          </a:lstStyle>
-          <a:p>
-            <a:r>
-              <a:rPr lang="zh-TW" altLang="en-US" sz="1800" dirty="0"/>
-              <a:t>自動產生</a:t>
-            </a:r>
-            <a:r>
-              <a:rPr lang="en-US" altLang="zh-TW" sz="1800" dirty="0"/>
-              <a:t>API</a:t>
-            </a:r>
-            <a:r>
-              <a:rPr lang="zh-TW" altLang="en-US" sz="1800" dirty="0"/>
-              <a:t>文件</a:t>
-            </a:r>
-          </a:p>
-          <a:p>
-            <a:r>
-              <a:rPr lang="zh-TW" altLang="en-US" sz="1800" dirty="0"/>
-              <a:t>支援</a:t>
-            </a:r>
-            <a:r>
-              <a:rPr lang="en-US" altLang="zh-TW" sz="1800" dirty="0"/>
-              <a:t>RESTful</a:t>
-            </a:r>
-            <a:r>
-              <a:rPr lang="zh-TW" altLang="en-US" sz="1800" dirty="0"/>
-              <a:t>的</a:t>
-            </a:r>
-            <a:r>
-              <a:rPr lang="en-US" altLang="zh-TW" sz="1800" dirty="0"/>
-              <a:t>API</a:t>
-            </a:r>
-          </a:p>
-          <a:p>
-            <a:r>
-              <a:rPr lang="zh-TW" altLang="en-US" sz="1800" dirty="0"/>
-              <a:t>簡單使用</a:t>
-            </a:r>
-            <a:endParaRPr lang="en-US" altLang="zh-TW" sz="1800" dirty="0"/>
-          </a:p>
-          <a:p>
-            <a:r>
-              <a:rPr lang="zh-TW" altLang="en-US" sz="1800" dirty="0"/>
-              <a:t>方便測試</a:t>
-            </a:r>
-            <a:endParaRPr lang="en-US" altLang="zh-TW" sz="1800" dirty="0"/>
+              <a:rPr lang="zh-TW" altLang="en-US" dirty="0">
+                <a:latin typeface="微軟正黑體" panose="020B0604030504040204" pitchFamily="34" charset="-120"/>
+                <a:ea typeface="微軟正黑體" panose="020B0604030504040204" pitchFamily="34" charset="-120"/>
+              </a:rPr>
+              <a:t>生命週期的開發</a:t>
+            </a:r>
+            <a:r>
+              <a:rPr lang="zh-TW" altLang="en-US" sz="1800" dirty="0">
+                <a:latin typeface="微軟正黑體" panose="020B0604030504040204" pitchFamily="34" charset="-120"/>
+                <a:ea typeface="微軟正黑體" panose="020B0604030504040204" pitchFamily="34" charset="-120"/>
+              </a:rPr>
+              <a:t>。</a:t>
+            </a:r>
           </a:p>
         </p:txBody>
       </p:sp>
@@ -4883,6 +5135,332 @@
     <p:extLst>
       <p:ext uri="{BB962C8B-B14F-4D97-AF65-F5344CB8AC3E}">
         <p14:creationId xmlns:p14="http://schemas.microsoft.com/office/powerpoint/2010/main" val="2846907098"/>
+      </p:ext>
+    </p:extLst>
+  </p:cSld>
+  <p:clrMapOvr>
+    <a:masterClrMapping/>
+  </p:clrMapOvr>
+  <p:timing>
+    <p:tnLst>
+      <p:par>
+        <p:cTn id="1" dur="indefinite" restart="never" nodeType="tmRoot">
+          <p:childTnLst>
+            <p:seq concurrent="1" nextAc="seek">
+              <p:cTn id="2" dur="indefinite" nodeType="mainSeq">
+                <p:childTnLst>
+                  <p:par>
+                    <p:cTn id="3" fill="hold">
+                      <p:stCondLst>
+                        <p:cond delay="indefinite"/>
+                      </p:stCondLst>
+                      <p:childTnLst>
+                        <p:par>
+                          <p:cTn id="4" fill="hold">
+                            <p:stCondLst>
+                              <p:cond delay="0"/>
+                            </p:stCondLst>
+                            <p:childTnLst>
+                              <p:par>
+                                <p:cTn id="5" presetID="1" presetClass="entr" presetSubtype="0" fill="hold" nodeType="clickEffect">
+                                  <p:stCondLst>
+                                    <p:cond delay="0"/>
+                                  </p:stCondLst>
+                                  <p:childTnLst>
+                                    <p:set>
+                                      <p:cBhvr>
+                                        <p:cTn id="6" dur="1" fill="hold">
+                                          <p:stCondLst>
+                                            <p:cond delay="0"/>
+                                          </p:stCondLst>
+                                        </p:cTn>
+                                        <p:tgtEl>
+                                          <p:spTgt spid="3">
+                                            <p:txEl>
+                                              <p:pRg st="0" end="0"/>
+                                            </p:txEl>
+                                          </p:spTgt>
+                                        </p:tgtEl>
+                                        <p:attrNameLst>
+                                          <p:attrName>style.visibility</p:attrName>
+                                        </p:attrNameLst>
+                                      </p:cBhvr>
+                                      <p:to>
+                                        <p:strVal val="visible"/>
+                                      </p:to>
+                                    </p:set>
+                                  </p:childTnLst>
+                                </p:cTn>
+                              </p:par>
+                            </p:childTnLst>
+                          </p:cTn>
+                        </p:par>
+                      </p:childTnLst>
+                    </p:cTn>
+                  </p:par>
+                  <p:par>
+                    <p:cTn id="7" fill="hold">
+                      <p:stCondLst>
+                        <p:cond delay="indefinite"/>
+                      </p:stCondLst>
+                      <p:childTnLst>
+                        <p:par>
+                          <p:cTn id="8" fill="hold">
+                            <p:stCondLst>
+                              <p:cond delay="0"/>
+                            </p:stCondLst>
+                            <p:childTnLst>
+                              <p:par>
+                                <p:cTn id="9" presetID="1" presetClass="entr" presetSubtype="0" fill="hold" nodeType="clickEffect">
+                                  <p:stCondLst>
+                                    <p:cond delay="0"/>
+                                  </p:stCondLst>
+                                  <p:childTnLst>
+                                    <p:set>
+                                      <p:cBhvr>
+                                        <p:cTn id="10" dur="1" fill="hold">
+                                          <p:stCondLst>
+                                            <p:cond delay="0"/>
+                                          </p:stCondLst>
+                                        </p:cTn>
+                                        <p:tgtEl>
+                                          <p:spTgt spid="3">
+                                            <p:txEl>
+                                              <p:pRg st="2" end="2"/>
+                                            </p:txEl>
+                                          </p:spTgt>
+                                        </p:tgtEl>
+                                        <p:attrNameLst>
+                                          <p:attrName>style.visibility</p:attrName>
+                                        </p:attrNameLst>
+                                      </p:cBhvr>
+                                      <p:to>
+                                        <p:strVal val="visible"/>
+                                      </p:to>
+                                    </p:set>
+                                  </p:childTnLst>
+                                </p:cTn>
+                              </p:par>
+                            </p:childTnLst>
+                          </p:cTn>
+                        </p:par>
+                      </p:childTnLst>
+                    </p:cTn>
+                  </p:par>
+                </p:childTnLst>
+              </p:cTn>
+              <p:prevCondLst>
+                <p:cond evt="onPrev" delay="0">
+                  <p:tgtEl>
+                    <p:sldTgt/>
+                  </p:tgtEl>
+                </p:cond>
+              </p:prevCondLst>
+              <p:nextCondLst>
+                <p:cond evt="onNext" delay="0">
+                  <p:tgtEl>
+                    <p:sldTgt/>
+                  </p:tgtEl>
+                </p:cond>
+              </p:nextCondLst>
+            </p:seq>
+          </p:childTnLst>
+        </p:cTn>
+      </p:par>
+    </p:tnLst>
+  </p:timing>
+</p:sld>
+</file>
+
+<file path=ppt/slides/slide3.xml><?xml version="1.0" encoding="utf-8"?>
+<p:sld xmlns:a="http://schemas.openxmlformats.org/drawingml/2006/main" xmlns:r="http://schemas.openxmlformats.org/officeDocument/2006/relationships" xmlns:p="http://schemas.openxmlformats.org/presentationml/2006/main">
+  <p:cSld>
+    <p:spTree>
+      <p:nvGrpSpPr>
+        <p:cNvPr id="1" name=""/>
+        <p:cNvGrpSpPr/>
+        <p:nvPr/>
+      </p:nvGrpSpPr>
+      <p:grpSpPr>
+        <a:xfrm>
+          <a:off x="0" y="0"/>
+          <a:ext cx="0" cy="0"/>
+          <a:chOff x="0" y="0"/>
+          <a:chExt cx="0" cy="0"/>
+        </a:xfrm>
+      </p:grpSpPr>
+      <p:sp>
+        <p:nvSpPr>
+          <p:cNvPr id="2" name="標題 1"/>
+          <p:cNvSpPr>
+            <a:spLocks noGrp="1"/>
+          </p:cNvSpPr>
+          <p:nvPr>
+            <p:ph type="title"/>
+          </p:nvPr>
+        </p:nvSpPr>
+        <p:spPr/>
+        <p:txBody>
+          <a:bodyPr/>
+          <a:lstStyle/>
+          <a:p>
+            <a:r>
+              <a:rPr lang="en-US" altLang="zh-TW" b="1" dirty="0">
+                <a:latin typeface="微軟正黑體" panose="020B0604030504040204" pitchFamily="34" charset="-120"/>
+                <a:ea typeface="微軟正黑體" panose="020B0604030504040204" pitchFamily="34" charset="-120"/>
+              </a:rPr>
+              <a:t>s</a:t>
+            </a:r>
+            <a:r>
+              <a:rPr lang="en-US" altLang="zh-TW" b="1" dirty="0" smtClean="0">
+                <a:latin typeface="微軟正黑體" panose="020B0604030504040204" pitchFamily="34" charset="-120"/>
+                <a:ea typeface="微軟正黑體" panose="020B0604030504040204" pitchFamily="34" charset="-120"/>
+              </a:rPr>
+              <a:t>wagger UI</a:t>
+            </a:r>
+            <a:r>
+              <a:rPr lang="zh-TW" altLang="en-US" b="1" dirty="0">
+                <a:latin typeface="微軟正黑體" panose="020B0604030504040204" pitchFamily="34" charset="-120"/>
+                <a:ea typeface="微軟正黑體" panose="020B0604030504040204" pitchFamily="34" charset="-120"/>
+              </a:rPr>
+              <a:t>的</a:t>
+            </a:r>
+            <a:r>
+              <a:rPr lang="zh-TW" altLang="en-US" b="1" dirty="0" smtClean="0">
+                <a:latin typeface="微軟正黑體" panose="020B0604030504040204" pitchFamily="34" charset="-120"/>
+                <a:ea typeface="微軟正黑體" panose="020B0604030504040204" pitchFamily="34" charset="-120"/>
+              </a:rPr>
+              <a:t>優點</a:t>
+            </a:r>
+            <a:endParaRPr lang="zh-TW" altLang="en-US" b="1" dirty="0">
+              <a:latin typeface="微軟正黑體" panose="020B0604030504040204" pitchFamily="34" charset="-120"/>
+              <a:ea typeface="微軟正黑體" panose="020B0604030504040204" pitchFamily="34" charset="-120"/>
+            </a:endParaRPr>
+          </a:p>
+        </p:txBody>
+      </p:sp>
+      <p:sp>
+        <p:nvSpPr>
+          <p:cNvPr id="3" name="內容版面配置區 2"/>
+          <p:cNvSpPr>
+            <a:spLocks noGrp="1"/>
+          </p:cNvSpPr>
+          <p:nvPr>
+            <p:ph idx="1"/>
+          </p:nvPr>
+        </p:nvSpPr>
+        <p:spPr/>
+        <p:txBody>
+          <a:bodyPr/>
+          <a:lstStyle/>
+          <a:p>
+            <a:pPr>
+              <a:lnSpc>
+                <a:spcPct val="200000"/>
+              </a:lnSpc>
+            </a:pPr>
+            <a:r>
+              <a:rPr lang="zh-TW" altLang="en-US" dirty="0">
+                <a:latin typeface="微軟正黑體" panose="020B0604030504040204" pitchFamily="34" charset="-120"/>
+                <a:ea typeface="微軟正黑體" panose="020B0604030504040204" pitchFamily="34" charset="-120"/>
+              </a:rPr>
+              <a:t>自動產生</a:t>
+            </a:r>
+            <a:r>
+              <a:rPr lang="en-US" altLang="zh-TW" dirty="0">
+                <a:latin typeface="微軟正黑體" panose="020B0604030504040204" pitchFamily="34" charset="-120"/>
+                <a:ea typeface="微軟正黑體" panose="020B0604030504040204" pitchFamily="34" charset="-120"/>
+              </a:rPr>
+              <a:t>API</a:t>
+            </a:r>
+            <a:r>
+              <a:rPr lang="zh-TW" altLang="en-US" dirty="0">
+                <a:latin typeface="微軟正黑體" panose="020B0604030504040204" pitchFamily="34" charset="-120"/>
+                <a:ea typeface="微軟正黑體" panose="020B0604030504040204" pitchFamily="34" charset="-120"/>
+              </a:rPr>
+              <a:t>文件</a:t>
+            </a:r>
+          </a:p>
+          <a:p>
+            <a:pPr>
+              <a:lnSpc>
+                <a:spcPct val="200000"/>
+              </a:lnSpc>
+            </a:pPr>
+            <a:r>
+              <a:rPr lang="zh-TW" altLang="en-US" dirty="0">
+                <a:latin typeface="微軟正黑體" panose="020B0604030504040204" pitchFamily="34" charset="-120"/>
+                <a:ea typeface="微軟正黑體" panose="020B0604030504040204" pitchFamily="34" charset="-120"/>
+              </a:rPr>
+              <a:t>支援</a:t>
+            </a:r>
+            <a:r>
+              <a:rPr lang="en-US" altLang="zh-TW" dirty="0">
+                <a:latin typeface="微軟正黑體" panose="020B0604030504040204" pitchFamily="34" charset="-120"/>
+                <a:ea typeface="微軟正黑體" panose="020B0604030504040204" pitchFamily="34" charset="-120"/>
+              </a:rPr>
+              <a:t>RESTful</a:t>
+            </a:r>
+            <a:r>
+              <a:rPr lang="zh-TW" altLang="en-US" dirty="0">
+                <a:latin typeface="微軟正黑體" panose="020B0604030504040204" pitchFamily="34" charset="-120"/>
+                <a:ea typeface="微軟正黑體" panose="020B0604030504040204" pitchFamily="34" charset="-120"/>
+              </a:rPr>
+              <a:t>的</a:t>
+            </a:r>
+            <a:r>
+              <a:rPr lang="en-US" altLang="zh-TW" dirty="0">
+                <a:latin typeface="微軟正黑體" panose="020B0604030504040204" pitchFamily="34" charset="-120"/>
+                <a:ea typeface="微軟正黑體" panose="020B0604030504040204" pitchFamily="34" charset="-120"/>
+              </a:rPr>
+              <a:t>API</a:t>
+            </a:r>
+          </a:p>
+          <a:p>
+            <a:pPr>
+              <a:lnSpc>
+                <a:spcPct val="200000"/>
+              </a:lnSpc>
+            </a:pPr>
+            <a:r>
+              <a:rPr lang="zh-TW" altLang="en-US" dirty="0">
+                <a:latin typeface="微軟正黑體" panose="020B0604030504040204" pitchFamily="34" charset="-120"/>
+                <a:ea typeface="微軟正黑體" panose="020B0604030504040204" pitchFamily="34" charset="-120"/>
+              </a:rPr>
+              <a:t>簡單使用</a:t>
+            </a:r>
+            <a:endParaRPr lang="en-US" altLang="zh-TW" dirty="0">
+              <a:latin typeface="微軟正黑體" panose="020B0604030504040204" pitchFamily="34" charset="-120"/>
+              <a:ea typeface="微軟正黑體" panose="020B0604030504040204" pitchFamily="34" charset="-120"/>
+            </a:endParaRPr>
+          </a:p>
+          <a:p>
+            <a:pPr>
+              <a:lnSpc>
+                <a:spcPct val="200000"/>
+              </a:lnSpc>
+            </a:pPr>
+            <a:r>
+              <a:rPr lang="zh-TW" altLang="en-US" dirty="0">
+                <a:latin typeface="微軟正黑體" panose="020B0604030504040204" pitchFamily="34" charset="-120"/>
+                <a:ea typeface="微軟正黑體" panose="020B0604030504040204" pitchFamily="34" charset="-120"/>
+              </a:rPr>
+              <a:t>方便測試</a:t>
+            </a:r>
+            <a:endParaRPr lang="en-US" altLang="zh-TW" dirty="0">
+              <a:latin typeface="微軟正黑體" panose="020B0604030504040204" pitchFamily="34" charset="-120"/>
+              <a:ea typeface="微軟正黑體" panose="020B0604030504040204" pitchFamily="34" charset="-120"/>
+            </a:endParaRPr>
+          </a:p>
+          <a:p>
+            <a:endParaRPr lang="zh-TW" altLang="en-US" dirty="0"/>
+          </a:p>
+        </p:txBody>
+      </p:sp>
+    </p:spTree>
+    <p:extLst>
+      <p:ext uri="{BB962C8B-B14F-4D97-AF65-F5344CB8AC3E}">
+        <p14:creationId xmlns:p14="http://schemas.microsoft.com/office/powerpoint/2010/main" val="30306322"/>
       </p:ext>
     </p:extLst>
   </p:cSld>
@@ -5008,7 +5586,7 @@
                             </p:stCondLst>
                             <p:childTnLst>
                               <p:par>
-                                <p:cTn id="13" presetID="1" presetClass="entr" presetSubtype="0" fill="hold" grpId="0" nodeType="clickEffect">
+                                <p:cTn id="13" presetID="1" presetClass="entr" presetSubtype="0" fill="hold" nodeType="clickEffect">
                                   <p:stCondLst>
                                     <p:cond delay="0"/>
                                   </p:stCondLst>
@@ -5021,7 +5599,11 @@
                                           </p:stCondLst>
                                         </p:cTn>
                                         <p:tgtEl>
-                                          <p:spTgt spid="5"/>
+                                          <p:spTgt spid="3">
+                                            <p:txEl>
+                                              <p:pRg st="2" end="2"/>
+                                            </p:txEl>
+                                          </p:spTgt>
                                         </p:tgtEl>
                                         <p:attrNameLst>
                                           <p:attrName>style.visibility</p:attrName>
@@ -5066,154 +5648,7 @@
                                           </p:stCondLst>
                                         </p:cTn>
                                         <p:tgtEl>
-                                          <p:spTgt spid="7">
-                                            <p:txEl>
-                                              <p:pRg st="0" end="0"/>
-                                            </p:txEl>
-                                          </p:spTgt>
-                                        </p:tgtEl>
-                                        <p:attrNameLst>
-                                          <p:attrName>style.visibility</p:attrName>
-                                        </p:attrNameLst>
-                                      </p:cBhvr>
-                                      <p:to>
-                                        <p:strVal val="visible"/>
-                                      </p:to>
-                                    </p:set>
-                                  </p:childTnLst>
-                                </p:cTn>
-                              </p:par>
-                            </p:childTnLst>
-                          </p:cTn>
-                        </p:par>
-                      </p:childTnLst>
-                    </p:cTn>
-                  </p:par>
-                  <p:par>
-                    <p:cTn id="19" fill="hold">
-                      <p:stCondLst>
-                        <p:cond delay="indefinite"/>
-                      </p:stCondLst>
-                      <p:childTnLst>
-                        <p:par>
-                          <p:cTn id="20" fill="hold">
-                            <p:stCondLst>
-                              <p:cond delay="0"/>
-                            </p:stCondLst>
-                            <p:childTnLst>
-                              <p:par>
-                                <p:cTn id="21" presetID="1" presetClass="entr" presetSubtype="0" fill="hold" nodeType="clickEffect">
-                                  <p:stCondLst>
-                                    <p:cond delay="0"/>
-                                  </p:stCondLst>
-                                  <p:childTnLst>
-                                    <p:set>
-                                      <p:cBhvr>
-                                        <p:cTn id="22" dur="1" fill="hold">
-                                          <p:stCondLst>
-                                            <p:cond delay="0"/>
-                                          </p:stCondLst>
-                                        </p:cTn>
-                                        <p:tgtEl>
-                                          <p:spTgt spid="7">
-                                            <p:txEl>
-                                              <p:pRg st="1" end="1"/>
-                                            </p:txEl>
-                                          </p:spTgt>
-                                        </p:tgtEl>
-                                        <p:attrNameLst>
-                                          <p:attrName>style.visibility</p:attrName>
-                                        </p:attrNameLst>
-                                      </p:cBhvr>
-                                      <p:to>
-                                        <p:strVal val="visible"/>
-                                      </p:to>
-                                    </p:set>
-                                  </p:childTnLst>
-                                </p:cTn>
-                              </p:par>
-                            </p:childTnLst>
-                          </p:cTn>
-                        </p:par>
-                      </p:childTnLst>
-                    </p:cTn>
-                  </p:par>
-                  <p:par>
-                    <p:cTn id="23" fill="hold">
-                      <p:stCondLst>
-                        <p:cond delay="indefinite"/>
-                      </p:stCondLst>
-                      <p:childTnLst>
-                        <p:par>
-                          <p:cTn id="24" fill="hold">
-                            <p:stCondLst>
-                              <p:cond delay="0"/>
-                            </p:stCondLst>
-                            <p:childTnLst>
-                              <p:par>
-                                <p:cTn id="25" presetID="1" presetClass="entr" presetSubtype="0" fill="hold" nodeType="clickEffect">
-                                  <p:stCondLst>
-                                    <p:cond delay="0"/>
-                                  </p:stCondLst>
-                                  <p:childTnLst>
-                                    <p:set>
-                                      <p:cBhvr>
-                                        <p:cTn id="26" dur="1" fill="hold">
-                                          <p:stCondLst>
-                                            <p:cond delay="0"/>
-                                          </p:stCondLst>
-                                        </p:cTn>
-                                        <p:tgtEl>
-                                          <p:spTgt spid="7">
-                                            <p:txEl>
-                                              <p:pRg st="2" end="2"/>
-                                            </p:txEl>
-                                          </p:spTgt>
-                                        </p:tgtEl>
-                                        <p:attrNameLst>
-                                          <p:attrName>style.visibility</p:attrName>
-                                        </p:attrNameLst>
-                                      </p:cBhvr>
-                                      <p:to>
-                                        <p:strVal val="visible"/>
-                                      </p:to>
-                                    </p:set>
-                                  </p:childTnLst>
-                                </p:cTn>
-                              </p:par>
-                            </p:childTnLst>
-                          </p:cTn>
-                        </p:par>
-                      </p:childTnLst>
-                    </p:cTn>
-                  </p:par>
-                  <p:par>
-                    <p:cTn id="27" fill="hold">
-                      <p:stCondLst>
-                        <p:cond delay="indefinite"/>
-                      </p:stCondLst>
-                      <p:childTnLst>
-                        <p:par>
-                          <p:cTn id="28" fill="hold">
-                            <p:stCondLst>
-                              <p:cond delay="0"/>
-                            </p:stCondLst>
-                            <p:childTnLst>
-                              <p:par>
-                                <p:cTn id="29" presetID="1" presetClass="entr" presetSubtype="0" fill="hold" nodeType="clickEffect">
-                                  <p:stCondLst>
-                                    <p:cond delay="0"/>
-                                  </p:stCondLst>
-                                  <p:childTnLst>
-                                    <p:set>
-                                      <p:cBhvr>
-                                        <p:cTn id="30" dur="1" fill="hold">
-                                          <p:stCondLst>
-                                            <p:cond delay="0"/>
-                                          </p:stCondLst>
-                                        </p:cTn>
-                                        <p:tgtEl>
-                                          <p:spTgt spid="7">
+                                          <p:spTgt spid="3">
                                             <p:txEl>
                                               <p:pRg st="3" end="3"/>
                                             </p:txEl>
@@ -5257,14 +5692,11 @@
         </p:cTn>
       </p:par>
     </p:tnLst>
-    <p:bldLst>
-      <p:bldP spid="5" grpId="0"/>
-    </p:bldLst>
   </p:timing>
 </p:sld>
 </file>
 
-<file path=ppt/slides/slide3.xml><?xml version="1.0" encoding="utf-8"?>
+<file path=ppt/slides/slide4.xml><?xml version="1.0" encoding="utf-8"?>
 <p:sld xmlns:a="http://schemas.openxmlformats.org/drawingml/2006/main" xmlns:r="http://schemas.openxmlformats.org/officeDocument/2006/relationships" xmlns:p="http://schemas.openxmlformats.org/presentationml/2006/main">
   <p:cSld>
     <p:spTree>
@@ -5297,18 +5729,30 @@
           <a:lstStyle/>
           <a:p>
             <a:r>
-              <a:rPr lang="zh-TW" altLang="en-US" dirty="0" smtClean="0"/>
+              <a:rPr lang="zh-TW" altLang="en-US" b="1" dirty="0" smtClean="0">
+                <a:latin typeface="微軟正黑體" panose="020B0604030504040204" pitchFamily="34" charset="-120"/>
+                <a:ea typeface="微軟正黑體" panose="020B0604030504040204" pitchFamily="34" charset="-120"/>
+              </a:rPr>
               <a:t>使用案例</a:t>
             </a:r>
             <a:r>
-              <a:rPr lang="en-US" altLang="zh-TW" dirty="0" smtClean="0"/>
+              <a:rPr lang="en-US" altLang="zh-TW" b="1" dirty="0" smtClean="0">
+                <a:latin typeface="微軟正黑體" panose="020B0604030504040204" pitchFamily="34" charset="-120"/>
+                <a:ea typeface="微軟正黑體" panose="020B0604030504040204" pitchFamily="34" charset="-120"/>
+              </a:rPr>
               <a:t>-</a:t>
             </a:r>
             <a:r>
-              <a:rPr lang="zh-TW" altLang="en-US" dirty="0" smtClean="0"/>
+              <a:rPr lang="zh-TW" altLang="en-US" b="1" dirty="0" smtClean="0">
+                <a:latin typeface="微軟正黑體" panose="020B0604030504040204" pitchFamily="34" charset="-120"/>
+                <a:ea typeface="微軟正黑體" panose="020B0604030504040204" pitchFamily="34" charset="-120"/>
+              </a:rPr>
               <a:t>前後端分離</a:t>
             </a:r>
-            <a:endParaRPr lang="zh-TW" altLang="en-US" dirty="0"/>
+            <a:endParaRPr lang="zh-TW" altLang="en-US" b="1" dirty="0">
+              <a:latin typeface="微軟正黑體" panose="020B0604030504040204" pitchFamily="34" charset="-120"/>
+              <a:ea typeface="微軟正黑體" panose="020B0604030504040204" pitchFamily="34" charset="-120"/>
+            </a:endParaRPr>
           </a:p>
         </p:txBody>
       </p:sp>
@@ -5613,7 +6057,7 @@
 </p:sld>
 </file>
 
-<file path=ppt/slides/slide4.xml><?xml version="1.0" encoding="utf-8"?>
+<file path=ppt/slides/slide5.xml><?xml version="1.0" encoding="utf-8"?>
 <p:sld xmlns:a="http://schemas.openxmlformats.org/drawingml/2006/main" xmlns:r="http://schemas.openxmlformats.org/officeDocument/2006/relationships" xmlns:p="http://schemas.openxmlformats.org/presentationml/2006/main">
   <p:cSld>
     <p:spTree>
@@ -5646,7 +6090,7 @@
           <a:lstStyle/>
           <a:p>
             <a:r>
-              <a:rPr lang="zh-TW" altLang="en-US" dirty="0"/>
+              <a:rPr lang="zh-TW" altLang="en-US" b="1" dirty="0"/>
               <a:t>問題探討</a:t>
             </a:r>
           </a:p>
@@ -5668,108 +6112,125 @@
           <a:lstStyle/>
           <a:p>
             <a:r>
-              <a:rPr lang="en-US" altLang="zh-TW" sz="1800" dirty="0" smtClean="0"/>
+              <a:rPr lang="en-US" altLang="zh-TW" dirty="0" smtClean="0">
+                <a:latin typeface="微軟正黑體" panose="020B0604030504040204" pitchFamily="34" charset="-120"/>
+                <a:ea typeface="微軟正黑體" panose="020B0604030504040204" pitchFamily="34" charset="-120"/>
+              </a:rPr>
               <a:t>Q1:</a:t>
             </a:r>
             <a:r>
-              <a:rPr lang="zh-TW" altLang="en-US" sz="1800" dirty="0" smtClean="0"/>
-              <a:t>後端工程師在開發完需求後，並沒有更新文件。</a:t>
-            </a:r>
-            <a:endParaRPr lang="en-US" altLang="zh-TW" sz="1800" dirty="0" smtClean="0"/>
-          </a:p>
-          <a:p>
-            <a:endParaRPr lang="en-US" altLang="zh-TW" sz="1800" dirty="0" smtClean="0"/>
-          </a:p>
-          <a:p>
-            <a:r>
-              <a:rPr lang="en-US" altLang="zh-TW" sz="1800" dirty="0" smtClean="0"/>
+              <a:rPr lang="zh-TW" altLang="en-US" dirty="0" smtClean="0">
+                <a:latin typeface="微軟正黑體" panose="020B0604030504040204" pitchFamily="34" charset="-120"/>
+                <a:ea typeface="微軟正黑體" panose="020B0604030504040204" pitchFamily="34" charset="-120"/>
+              </a:rPr>
+              <a:t>後端工程師在開發完需求後，並沒有更新文件</a:t>
+            </a:r>
+            <a:r>
+              <a:rPr lang="zh-TW" altLang="en-US" dirty="0" smtClean="0">
+                <a:latin typeface="微軟正黑體" panose="020B0604030504040204" pitchFamily="34" charset="-120"/>
+                <a:ea typeface="微軟正黑體" panose="020B0604030504040204" pitchFamily="34" charset="-120"/>
+              </a:rPr>
+              <a:t>。</a:t>
+            </a:r>
+            <a:endParaRPr lang="en-US" altLang="zh-TW" dirty="0" smtClean="0">
+              <a:latin typeface="微軟正黑體" panose="020B0604030504040204" pitchFamily="34" charset="-120"/>
+              <a:ea typeface="微軟正黑體" panose="020B0604030504040204" pitchFamily="34" charset="-120"/>
+            </a:endParaRPr>
+          </a:p>
+          <a:p>
+            <a:r>
+              <a:rPr lang="en-US" altLang="zh-TW" dirty="0" smtClean="0">
+                <a:latin typeface="微軟正黑體" panose="020B0604030504040204" pitchFamily="34" charset="-120"/>
+                <a:ea typeface="微軟正黑體" panose="020B0604030504040204" pitchFamily="34" charset="-120"/>
+              </a:rPr>
               <a:t>Q2:</a:t>
             </a:r>
             <a:r>
-              <a:rPr lang="zh-TW" altLang="en-US" sz="1800" dirty="0" smtClean="0"/>
-              <a:t>假設後端工程師有更新文件，長期維護此文件公司也花了很多資源。</a:t>
-            </a:r>
-            <a:endParaRPr lang="en-US" altLang="zh-TW" sz="1800" dirty="0" smtClean="0"/>
-          </a:p>
-          <a:p>
-            <a:endParaRPr lang="en-US" altLang="zh-TW" sz="1800" dirty="0" smtClean="0"/>
-          </a:p>
-          <a:p>
-            <a:r>
-              <a:rPr lang="en-US" altLang="zh-TW" sz="1800" dirty="0" smtClean="0"/>
+              <a:rPr lang="zh-TW" altLang="en-US" dirty="0" smtClean="0">
+                <a:latin typeface="微軟正黑體" panose="020B0604030504040204" pitchFamily="34" charset="-120"/>
+                <a:ea typeface="微軟正黑體" panose="020B0604030504040204" pitchFamily="34" charset="-120"/>
+              </a:rPr>
+              <a:t>假設後端工程師有更新文件，長期維護此文件公司也花了很多資源</a:t>
+            </a:r>
+            <a:r>
+              <a:rPr lang="zh-TW" altLang="en-US" dirty="0" smtClean="0">
+                <a:latin typeface="微軟正黑體" panose="020B0604030504040204" pitchFamily="34" charset="-120"/>
+                <a:ea typeface="微軟正黑體" panose="020B0604030504040204" pitchFamily="34" charset="-120"/>
+              </a:rPr>
+              <a:t>。</a:t>
+            </a:r>
+            <a:endParaRPr lang="en-US" altLang="zh-TW" dirty="0" smtClean="0">
+              <a:latin typeface="微軟正黑體" panose="020B0604030504040204" pitchFamily="34" charset="-120"/>
+              <a:ea typeface="微軟正黑體" panose="020B0604030504040204" pitchFamily="34" charset="-120"/>
+            </a:endParaRPr>
+          </a:p>
+          <a:p>
+            <a:r>
+              <a:rPr lang="en-US" altLang="zh-TW" dirty="0" smtClean="0">
+                <a:latin typeface="微軟正黑體" panose="020B0604030504040204" pitchFamily="34" charset="-120"/>
+                <a:ea typeface="微軟正黑體" panose="020B0604030504040204" pitchFamily="34" charset="-120"/>
+              </a:rPr>
               <a:t>Q3:</a:t>
             </a:r>
             <a:r>
-              <a:rPr lang="zh-TW" altLang="en-US" sz="1800" dirty="0"/>
+              <a:rPr lang="zh-TW" altLang="en-US" dirty="0">
+                <a:latin typeface="微軟正黑體" panose="020B0604030504040204" pitchFamily="34" charset="-120"/>
+                <a:ea typeface="微軟正黑體" panose="020B0604030504040204" pitchFamily="34" charset="-120"/>
+              </a:rPr>
               <a:t>前端工程師在開發時遇到問題，花了很多時間在查有錯誤的</a:t>
             </a:r>
             <a:r>
-              <a:rPr lang="en-US" altLang="zh-TW" sz="1800" dirty="0"/>
+              <a:rPr lang="en-US" altLang="zh-TW" dirty="0">
+                <a:latin typeface="微軟正黑體" panose="020B0604030504040204" pitchFamily="34" charset="-120"/>
+                <a:ea typeface="微軟正黑體" panose="020B0604030504040204" pitchFamily="34" charset="-120"/>
+              </a:rPr>
               <a:t>API</a:t>
             </a:r>
             <a:r>
-              <a:rPr lang="zh-TW" altLang="en-US" sz="1800" dirty="0" smtClean="0"/>
-              <a:t>文件。</a:t>
-            </a:r>
-            <a:endParaRPr lang="en-US" altLang="zh-TW" sz="1800" dirty="0" smtClean="0"/>
-          </a:p>
-          <a:p>
-            <a:endParaRPr lang="en-US" altLang="zh-TW" sz="1800" dirty="0" smtClean="0"/>
-          </a:p>
-          <a:p>
-            <a:r>
-              <a:rPr lang="en-US" altLang="zh-TW" sz="1800" dirty="0" smtClean="0"/>
+              <a:rPr lang="zh-TW" altLang="en-US" dirty="0" smtClean="0">
+                <a:latin typeface="微軟正黑體" panose="020B0604030504040204" pitchFamily="34" charset="-120"/>
+                <a:ea typeface="微軟正黑體" panose="020B0604030504040204" pitchFamily="34" charset="-120"/>
+              </a:rPr>
+              <a:t>文件</a:t>
+            </a:r>
+            <a:r>
+              <a:rPr lang="zh-TW" altLang="en-US" dirty="0" smtClean="0">
+                <a:latin typeface="微軟正黑體" panose="020B0604030504040204" pitchFamily="34" charset="-120"/>
+                <a:ea typeface="微軟正黑體" panose="020B0604030504040204" pitchFamily="34" charset="-120"/>
+              </a:rPr>
+              <a:t>。</a:t>
+            </a:r>
+            <a:endParaRPr lang="en-US" altLang="zh-TW" dirty="0" smtClean="0">
+              <a:latin typeface="微軟正黑體" panose="020B0604030504040204" pitchFamily="34" charset="-120"/>
+              <a:ea typeface="微軟正黑體" panose="020B0604030504040204" pitchFamily="34" charset="-120"/>
+            </a:endParaRPr>
+          </a:p>
+          <a:p>
+            <a:r>
+              <a:rPr lang="en-US" altLang="zh-TW" dirty="0" smtClean="0">
+                <a:latin typeface="微軟正黑體" panose="020B0604030504040204" pitchFamily="34" charset="-120"/>
+                <a:ea typeface="微軟正黑體" panose="020B0604030504040204" pitchFamily="34" charset="-120"/>
+              </a:rPr>
               <a:t>Q4:</a:t>
             </a:r>
             <a:r>
-              <a:rPr lang="zh-TW" altLang="en-US" sz="1800" dirty="0" smtClean="0"/>
-              <a:t>下次還是有可能發生一樣的問題。</a:t>
-            </a:r>
-            <a:endParaRPr lang="en-US" altLang="zh-TW" sz="1800" dirty="0"/>
-          </a:p>
-          <a:p>
-            <a:endParaRPr lang="en-US" altLang="zh-TW" sz="1800" dirty="0" smtClean="0"/>
-          </a:p>
-          <a:p>
-            <a:endParaRPr lang="en-US" altLang="zh-TW" sz="1800" dirty="0"/>
-          </a:p>
-          <a:p>
-            <a:endParaRPr lang="en-US" altLang="zh-TW" sz="1800" dirty="0" smtClean="0"/>
-          </a:p>
-          <a:p>
-            <a:r>
-              <a:rPr lang="en-US" altLang="zh-TW" sz="1800" dirty="0" smtClean="0"/>
-              <a:t>A:</a:t>
-            </a:r>
-            <a:r>
-              <a:rPr lang="zh-TW" altLang="en-US" sz="1800" dirty="0" smtClean="0"/>
-              <a:t>由於</a:t>
-            </a:r>
-            <a:r>
-              <a:rPr lang="en-US" altLang="zh-TW" sz="1800" dirty="0" smtClean="0"/>
-              <a:t>SWAGGER</a:t>
-            </a:r>
-            <a:r>
-              <a:rPr lang="zh-TW" altLang="en-US" sz="1800" dirty="0" smtClean="0"/>
-              <a:t> </a:t>
-            </a:r>
-            <a:r>
-              <a:rPr lang="en-US" altLang="zh-TW" sz="1800" dirty="0" smtClean="0"/>
-              <a:t>UI</a:t>
-            </a:r>
-            <a:r>
-              <a:rPr lang="zh-TW" altLang="en-US" sz="1800" dirty="0" smtClean="0"/>
-              <a:t>自動產生線上</a:t>
-            </a:r>
-            <a:r>
-              <a:rPr lang="en-US" altLang="zh-TW" sz="1800" dirty="0" smtClean="0"/>
-              <a:t>API</a:t>
-            </a:r>
-            <a:r>
-              <a:rPr lang="zh-TW" altLang="en-US" sz="1800" dirty="0" smtClean="0"/>
-              <a:t>文件，讓後端工程師在開發完後文件自動產生，前端工程師則可以參考最新的文件。</a:t>
-            </a:r>
-            <a:endParaRPr lang="en-US" altLang="zh-TW" sz="1800" dirty="0" smtClean="0"/>
+              <a:rPr lang="zh-TW" altLang="en-US" dirty="0" smtClean="0">
+                <a:latin typeface="微軟正黑體" panose="020B0604030504040204" pitchFamily="34" charset="-120"/>
+                <a:ea typeface="微軟正黑體" panose="020B0604030504040204" pitchFamily="34" charset="-120"/>
+              </a:rPr>
+              <a:t>下次還是有可能發生一樣的問題</a:t>
+            </a:r>
+            <a:r>
+              <a:rPr lang="zh-TW" altLang="en-US" dirty="0" smtClean="0">
+                <a:latin typeface="微軟正黑體" panose="020B0604030504040204" pitchFamily="34" charset="-120"/>
+                <a:ea typeface="微軟正黑體" panose="020B0604030504040204" pitchFamily="34" charset="-120"/>
+              </a:rPr>
+              <a:t>。</a:t>
+            </a:r>
+            <a:endParaRPr lang="en-US" altLang="zh-TW" dirty="0" smtClean="0">
+              <a:latin typeface="微軟正黑體" panose="020B0604030504040204" pitchFamily="34" charset="-120"/>
+              <a:ea typeface="微軟正黑體" panose="020B0604030504040204" pitchFamily="34" charset="-120"/>
+            </a:endParaRPr>
           </a:p>
         </p:txBody>
       </p:sp>
@@ -5868,7 +6329,7 @@
                                         <p:tgtEl>
                                           <p:spTgt spid="4">
                                             <p:txEl>
-                                              <p:pRg st="2" end="2"/>
+                                              <p:pRg st="1" end="1"/>
                                             </p:txEl>
                                           </p:spTgt>
                                         </p:tgtEl>
@@ -5917,7 +6378,7 @@
                                         <p:tgtEl>
                                           <p:spTgt spid="4">
                                             <p:txEl>
-                                              <p:pRg st="4" end="4"/>
+                                              <p:pRg st="2" end="2"/>
                                             </p:txEl>
                                           </p:spTgt>
                                         </p:tgtEl>
@@ -5966,56 +6427,7 @@
                                         <p:tgtEl>
                                           <p:spTgt spid="4">
                                             <p:txEl>
-                                              <p:pRg st="6" end="6"/>
-                                            </p:txEl>
-                                          </p:spTgt>
-                                        </p:tgtEl>
-                                        <p:attrNameLst>
-                                          <p:attrName>style.visibility</p:attrName>
-                                        </p:attrNameLst>
-                                      </p:cBhvr>
-                                      <p:to>
-                                        <p:strVal val="visible"/>
-                                      </p:to>
-                                    </p:set>
-                                  </p:childTnLst>
-                                </p:cTn>
-                              </p:par>
-                            </p:childTnLst>
-                          </p:cTn>
-                        </p:par>
-                      </p:childTnLst>
-                    </p:cTn>
-                  </p:par>
-                  <p:par>
-                    <p:cTn id="19" fill="hold">
-                      <p:stCondLst>
-                        <p:cond delay="indefinite"/>
-                      </p:stCondLst>
-                      <p:childTnLst>
-                        <p:par>
-                          <p:cTn id="20" fill="hold">
-                            <p:stCondLst>
-                              <p:cond delay="0"/>
-                            </p:stCondLst>
-                            <p:childTnLst>
-                              <p:par>
-                                <p:cTn id="21" presetID="1" presetClass="entr" presetSubtype="0" fill="hold" nodeType="clickEffect">
-                                  <p:stCondLst>
-                                    <p:cond delay="0"/>
-                                  </p:stCondLst>
-                                  <p:childTnLst>
-                                    <p:set>
-                                      <p:cBhvr>
-                                        <p:cTn id="22" dur="1" fill="hold">
-                                          <p:stCondLst>
-                                            <p:cond delay="0"/>
-                                          </p:stCondLst>
-                                        </p:cTn>
-                                        <p:tgtEl>
-                                          <p:spTgt spid="4">
-                                            <p:txEl>
-                                              <p:pRg st="10" end="10"/>
+                                              <p:pRg st="3" end="3"/>
                                             </p:txEl>
                                           </p:spTgt>
                                         </p:tgtEl>
@@ -6061,7 +6473,7 @@
 </p:sld>
 </file>
 
-<file path=ppt/slides/slide5.xml><?xml version="1.0" encoding="utf-8"?>
+<file path=ppt/slides/slide6.xml><?xml version="1.0" encoding="utf-8"?>
 <p:sld xmlns:a="http://schemas.openxmlformats.org/drawingml/2006/main" xmlns:r="http://schemas.openxmlformats.org/officeDocument/2006/relationships" xmlns:p="http://schemas.openxmlformats.org/presentationml/2006/main">
   <p:cSld>
     <p:spTree>
@@ -6094,14 +6506,12 @@
           <a:lstStyle/>
           <a:p>
             <a:r>
-              <a:rPr lang="zh-TW" altLang="en-US" dirty="0" smtClean="0"/>
-              <a:t>如何使用</a:t>
-            </a:r>
-            <a:r>
-              <a:rPr lang="en-US" altLang="zh-TW" dirty="0" smtClean="0"/>
-              <a:t>SWAGGER UI</a:t>
-            </a:r>
-            <a:endParaRPr lang="zh-TW" altLang="en-US" dirty="0"/>
+              <a:rPr lang="zh-TW" altLang="en-US" b="1" dirty="0">
+                <a:latin typeface="微軟正黑體" panose="020B0604030504040204" pitchFamily="34" charset="-120"/>
+                <a:ea typeface="微軟正黑體" panose="020B0604030504040204" pitchFamily="34" charset="-120"/>
+              </a:rPr>
+              <a:t>解決方案</a:t>
+            </a:r>
           </a:p>
         </p:txBody>
       </p:sp>
@@ -6121,40 +6531,215 @@
           <a:lstStyle/>
           <a:p>
             <a:r>
-              <a:rPr lang="en-US" altLang="zh-TW" dirty="0" smtClean="0"/>
-              <a:t>maven</a:t>
-            </a:r>
-          </a:p>
-          <a:p>
-            <a:r>
-              <a:rPr lang="zh-TW" altLang="en-US" sz="1800" dirty="0" smtClean="0"/>
+              <a:rPr lang="en-US" altLang="zh-TW" dirty="0">
+                <a:latin typeface="微軟正黑體" panose="020B0604030504040204" pitchFamily="34" charset="-120"/>
+                <a:ea typeface="微軟正黑體" panose="020B0604030504040204" pitchFamily="34" charset="-120"/>
+              </a:rPr>
+              <a:t>A:</a:t>
+            </a:r>
+            <a:r>
+              <a:rPr lang="zh-TW" altLang="en-US" dirty="0" smtClean="0">
+                <a:latin typeface="微軟正黑體" panose="020B0604030504040204" pitchFamily="34" charset="-120"/>
+                <a:ea typeface="微軟正黑體" panose="020B0604030504040204" pitchFamily="34" charset="-120"/>
+              </a:rPr>
+              <a:t>由於</a:t>
+            </a:r>
+            <a:r>
+              <a:rPr lang="en-US" altLang="zh-TW" dirty="0" smtClean="0">
+                <a:latin typeface="微軟正黑體" panose="020B0604030504040204" pitchFamily="34" charset="-120"/>
+                <a:ea typeface="微軟正黑體" panose="020B0604030504040204" pitchFamily="34" charset="-120"/>
+              </a:rPr>
+              <a:t>swagger UI</a:t>
+            </a:r>
+            <a:r>
+              <a:rPr lang="zh-TW" altLang="en-US" dirty="0">
+                <a:latin typeface="微軟正黑體" panose="020B0604030504040204" pitchFamily="34" charset="-120"/>
+                <a:ea typeface="微軟正黑體" panose="020B0604030504040204" pitchFamily="34" charset="-120"/>
+              </a:rPr>
+              <a:t>自動產生線上</a:t>
+            </a:r>
+            <a:r>
+              <a:rPr lang="en-US" altLang="zh-TW" dirty="0">
+                <a:latin typeface="微軟正黑體" panose="020B0604030504040204" pitchFamily="34" charset="-120"/>
+                <a:ea typeface="微軟正黑體" panose="020B0604030504040204" pitchFamily="34" charset="-120"/>
+              </a:rPr>
+              <a:t>API</a:t>
+            </a:r>
+            <a:r>
+              <a:rPr lang="zh-TW" altLang="en-US" dirty="0">
+                <a:latin typeface="微軟正黑體" panose="020B0604030504040204" pitchFamily="34" charset="-120"/>
+                <a:ea typeface="微軟正黑體" panose="020B0604030504040204" pitchFamily="34" charset="-120"/>
+              </a:rPr>
+              <a:t>文件，讓後端工程師在開發完後文件自動產生，前端工程師則可以參考最新的文件。</a:t>
+            </a:r>
+            <a:endParaRPr lang="en-US" altLang="zh-TW" dirty="0">
+              <a:latin typeface="微軟正黑體" panose="020B0604030504040204" pitchFamily="34" charset="-120"/>
+              <a:ea typeface="微軟正黑體" panose="020B0604030504040204" pitchFamily="34" charset="-120"/>
+            </a:endParaRPr>
+          </a:p>
+          <a:p>
+            <a:endParaRPr lang="zh-TW" altLang="en-US" dirty="0"/>
+          </a:p>
+        </p:txBody>
+      </p:sp>
+    </p:spTree>
+    <p:extLst>
+      <p:ext uri="{BB962C8B-B14F-4D97-AF65-F5344CB8AC3E}">
+        <p14:creationId xmlns:p14="http://schemas.microsoft.com/office/powerpoint/2010/main" val="3413340885"/>
+      </p:ext>
+    </p:extLst>
+  </p:cSld>
+  <p:clrMapOvr>
+    <a:masterClrMapping/>
+  </p:clrMapOvr>
+  <p:timing>
+    <p:tnLst>
+      <p:par>
+        <p:cTn id="1" dur="indefinite" restart="never" nodeType="tmRoot"/>
+      </p:par>
+    </p:tnLst>
+  </p:timing>
+</p:sld>
+</file>
+
+<file path=ppt/slides/slide7.xml><?xml version="1.0" encoding="utf-8"?>
+<p:sld xmlns:a="http://schemas.openxmlformats.org/drawingml/2006/main" xmlns:r="http://schemas.openxmlformats.org/officeDocument/2006/relationships" xmlns:p="http://schemas.openxmlformats.org/presentationml/2006/main">
+  <p:cSld>
+    <p:spTree>
+      <p:nvGrpSpPr>
+        <p:cNvPr id="1" name=""/>
+        <p:cNvGrpSpPr/>
+        <p:nvPr/>
+      </p:nvGrpSpPr>
+      <p:grpSpPr>
+        <a:xfrm>
+          <a:off x="0" y="0"/>
+          <a:ext cx="0" cy="0"/>
+          <a:chOff x="0" y="0"/>
+          <a:chExt cx="0" cy="0"/>
+        </a:xfrm>
+      </p:grpSpPr>
+      <p:sp>
+        <p:nvSpPr>
+          <p:cNvPr id="2" name="標題 1"/>
+          <p:cNvSpPr>
+            <a:spLocks noGrp="1"/>
+          </p:cNvSpPr>
+          <p:nvPr>
+            <p:ph type="title"/>
+          </p:nvPr>
+        </p:nvSpPr>
+        <p:spPr/>
+        <p:txBody>
+          <a:bodyPr/>
+          <a:lstStyle/>
+          <a:p>
+            <a:r>
+              <a:rPr lang="zh-TW" altLang="en-US" b="1" dirty="0" smtClean="0">
+                <a:latin typeface="微軟正黑體" panose="020B0604030504040204" pitchFamily="34" charset="-120"/>
+                <a:ea typeface="微軟正黑體" panose="020B0604030504040204" pitchFamily="34" charset="-120"/>
+              </a:rPr>
+              <a:t>如何</a:t>
+            </a:r>
+            <a:r>
+              <a:rPr lang="zh-TW" altLang="en-US" b="1" dirty="0" smtClean="0">
+                <a:latin typeface="微軟正黑體" panose="020B0604030504040204" pitchFamily="34" charset="-120"/>
+                <a:ea typeface="微軟正黑體" panose="020B0604030504040204" pitchFamily="34" charset="-120"/>
+              </a:rPr>
+              <a:t>使用</a:t>
+            </a:r>
+            <a:r>
+              <a:rPr lang="en-US" altLang="zh-TW" b="1" dirty="0" smtClean="0">
+                <a:latin typeface="微軟正黑體" panose="020B0604030504040204" pitchFamily="34" charset="-120"/>
+                <a:ea typeface="微軟正黑體" panose="020B0604030504040204" pitchFamily="34" charset="-120"/>
+              </a:rPr>
+              <a:t>swagger UI</a:t>
+            </a:r>
+            <a:endParaRPr lang="zh-TW" altLang="en-US" b="1" dirty="0">
+              <a:latin typeface="微軟正黑體" panose="020B0604030504040204" pitchFamily="34" charset="-120"/>
+              <a:ea typeface="微軟正黑體" panose="020B0604030504040204" pitchFamily="34" charset="-120"/>
+            </a:endParaRPr>
+          </a:p>
+        </p:txBody>
+      </p:sp>
+      <p:sp>
+        <p:nvSpPr>
+          <p:cNvPr id="3" name="內容版面配置區 2"/>
+          <p:cNvSpPr>
+            <a:spLocks noGrp="1"/>
+          </p:cNvSpPr>
+          <p:nvPr>
+            <p:ph idx="1"/>
+          </p:nvPr>
+        </p:nvSpPr>
+        <p:spPr/>
+        <p:txBody>
+          <a:bodyPr/>
+          <a:lstStyle/>
+          <a:p>
+            <a:r>
+              <a:rPr lang="en-US" altLang="zh-TW" dirty="0" smtClean="0">
+                <a:latin typeface="微軟正黑體" panose="020B0604030504040204" pitchFamily="34" charset="-120"/>
+                <a:ea typeface="微軟正黑體" panose="020B0604030504040204" pitchFamily="34" charset="-120"/>
+              </a:rPr>
+              <a:t>Maven-</a:t>
+            </a:r>
+            <a:r>
+              <a:rPr lang="zh-TW" altLang="en-US" dirty="0">
+                <a:latin typeface="微軟正黑體" panose="020B0604030504040204" pitchFamily="34" charset="-120"/>
+                <a:ea typeface="微軟正黑體" panose="020B0604030504040204" pitchFamily="34" charset="-120"/>
+              </a:rPr>
               <a:t>在</a:t>
             </a:r>
             <a:r>
-              <a:rPr lang="en-US" altLang="zh-TW" sz="1800" dirty="0" err="1" smtClean="0"/>
+              <a:rPr lang="en-US" altLang="zh-TW" dirty="0" err="1">
+                <a:latin typeface="微軟正黑體" panose="020B0604030504040204" pitchFamily="34" charset="-120"/>
+                <a:ea typeface="微軟正黑體" panose="020B0604030504040204" pitchFamily="34" charset="-120"/>
+              </a:rPr>
               <a:t>pom</a:t>
             </a:r>
             <a:r>
-              <a:rPr lang="zh-TW" altLang="en-US" sz="1800" dirty="0" smtClean="0"/>
-              <a:t>檔中加入</a:t>
-            </a:r>
-            <a:endParaRPr lang="en-US" altLang="zh-TW" sz="1800" dirty="0" smtClean="0"/>
+              <a:rPr lang="zh-TW" altLang="en-US" dirty="0">
+                <a:latin typeface="微軟正黑體" panose="020B0604030504040204" pitchFamily="34" charset="-120"/>
+                <a:ea typeface="微軟正黑體" panose="020B0604030504040204" pitchFamily="34" charset="-120"/>
+              </a:rPr>
+              <a:t>檔中</a:t>
+            </a:r>
+            <a:r>
+              <a:rPr lang="zh-TW" altLang="en-US" dirty="0" smtClean="0">
+                <a:latin typeface="微軟正黑體" panose="020B0604030504040204" pitchFamily="34" charset="-120"/>
+                <a:ea typeface="微軟正黑體" panose="020B0604030504040204" pitchFamily="34" charset="-120"/>
+              </a:rPr>
+              <a:t>加入</a:t>
+            </a:r>
+            <a:endParaRPr lang="en-US" altLang="zh-TW" dirty="0" smtClean="0">
+              <a:latin typeface="微軟正黑體" panose="020B0604030504040204" pitchFamily="34" charset="-120"/>
+              <a:ea typeface="微軟正黑體" panose="020B0604030504040204" pitchFamily="34" charset="-120"/>
+            </a:endParaRPr>
           </a:p>
           <a:p>
             <a:pPr marL="0" indent="0">
               <a:buNone/>
             </a:pPr>
             <a:r>
-              <a:rPr lang="en-US" altLang="zh-TW" sz="1800" dirty="0"/>
-              <a:t>       </a:t>
-            </a:r>
-            <a:r>
-              <a:rPr lang="en-US" altLang="zh-TW" sz="1800" dirty="0">
+              <a:rPr lang="en-US" altLang="zh-TW" sz="2200" dirty="0" smtClean="0">
                 <a:solidFill>
                   <a:srgbClr val="005C2A"/>
                 </a:solidFill>
-              </a:rPr>
-              <a:t>&lt;dependency&gt;</a:t>
+                <a:latin typeface="微軟正黑體" panose="020B0604030504040204" pitchFamily="34" charset="-120"/>
+                <a:ea typeface="微軟正黑體" panose="020B0604030504040204" pitchFamily="34" charset="-120"/>
+              </a:rPr>
+              <a:t>       &lt;</a:t>
+            </a:r>
+            <a:r>
+              <a:rPr lang="en-US" altLang="zh-TW" sz="2200" dirty="0">
+                <a:solidFill>
+                  <a:srgbClr val="005C2A"/>
+                </a:solidFill>
+                <a:latin typeface="微軟正黑體" panose="020B0604030504040204" pitchFamily="34" charset="-120"/>
+                <a:ea typeface="微軟正黑體" panose="020B0604030504040204" pitchFamily="34" charset="-120"/>
+              </a:rPr>
+              <a:t>dependency&gt;</a:t>
             </a:r>
           </a:p>
           <a:p>
@@ -6162,62 +6747,83 @@
               <a:buNone/>
             </a:pPr>
             <a:r>
-              <a:rPr lang="en-US" altLang="zh-TW" sz="1800" dirty="0"/>
+              <a:rPr lang="en-US" altLang="zh-TW" sz="2200" dirty="0">
+                <a:latin typeface="微軟正黑體" panose="020B0604030504040204" pitchFamily="34" charset="-120"/>
+                <a:ea typeface="微軟正黑體" panose="020B0604030504040204" pitchFamily="34" charset="-120"/>
+              </a:rPr>
               <a:t>    </a:t>
             </a:r>
             <a:r>
-              <a:rPr lang="en-US" altLang="zh-TW" sz="1800" dirty="0" smtClean="0"/>
+              <a:rPr lang="en-US" altLang="zh-TW" sz="2200" dirty="0" smtClean="0">
+                <a:latin typeface="微軟正黑體" panose="020B0604030504040204" pitchFamily="34" charset="-120"/>
+                <a:ea typeface="微軟正黑體" panose="020B0604030504040204" pitchFamily="34" charset="-120"/>
+              </a:rPr>
               <a:t>	</a:t>
             </a:r>
             <a:r>
-              <a:rPr lang="en-US" altLang="zh-TW" sz="1800" dirty="0">
+              <a:rPr lang="en-US" altLang="zh-TW" sz="2200" dirty="0">
                 <a:solidFill>
                   <a:srgbClr val="005C2A"/>
                 </a:solidFill>
+                <a:latin typeface="微軟正黑體" panose="020B0604030504040204" pitchFamily="34" charset="-120"/>
+                <a:ea typeface="微軟正黑體" panose="020B0604030504040204" pitchFamily="34" charset="-120"/>
               </a:rPr>
               <a:t>&lt;</a:t>
             </a:r>
             <a:r>
-              <a:rPr lang="en-US" altLang="zh-TW" sz="1800" dirty="0" err="1">
+              <a:rPr lang="en-US" altLang="zh-TW" sz="2200" dirty="0" err="1">
                 <a:solidFill>
                   <a:srgbClr val="005C2A"/>
                 </a:solidFill>
+                <a:latin typeface="微軟正黑體" panose="020B0604030504040204" pitchFamily="34" charset="-120"/>
+                <a:ea typeface="微軟正黑體" panose="020B0604030504040204" pitchFamily="34" charset="-120"/>
               </a:rPr>
               <a:t>groupId</a:t>
             </a:r>
             <a:r>
-              <a:rPr lang="en-US" altLang="zh-TW" sz="1800" dirty="0">
+              <a:rPr lang="en-US" altLang="zh-TW" sz="2200" dirty="0">
                 <a:solidFill>
                   <a:srgbClr val="005C2A"/>
                 </a:solidFill>
+                <a:latin typeface="微軟正黑體" panose="020B0604030504040204" pitchFamily="34" charset="-120"/>
+                <a:ea typeface="微軟正黑體" panose="020B0604030504040204" pitchFamily="34" charset="-120"/>
               </a:rPr>
               <a:t>&gt;</a:t>
             </a:r>
             <a:r>
-              <a:rPr lang="en-US" altLang="zh-TW" sz="1800" dirty="0" err="1"/>
+              <a:rPr lang="en-US" altLang="zh-TW" sz="2200" dirty="0" err="1">
+                <a:latin typeface="微軟正黑體" panose="020B0604030504040204" pitchFamily="34" charset="-120"/>
+                <a:ea typeface="微軟正黑體" panose="020B0604030504040204" pitchFamily="34" charset="-120"/>
+              </a:rPr>
               <a:t>io.springfox</a:t>
             </a:r>
             <a:r>
-              <a:rPr lang="en-US" altLang="zh-TW" sz="1800" dirty="0">
+              <a:rPr lang="en-US" altLang="zh-TW" sz="2200" dirty="0">
                 <a:solidFill>
                   <a:srgbClr val="005C2A"/>
                 </a:solidFill>
+                <a:latin typeface="微軟正黑體" panose="020B0604030504040204" pitchFamily="34" charset="-120"/>
+                <a:ea typeface="微軟正黑體" panose="020B0604030504040204" pitchFamily="34" charset="-120"/>
               </a:rPr>
               <a:t>&lt;/</a:t>
             </a:r>
             <a:r>
-              <a:rPr lang="en-US" altLang="zh-TW" sz="1800" dirty="0" err="1">
+              <a:rPr lang="en-US" altLang="zh-TW" sz="2200" dirty="0" err="1">
                 <a:solidFill>
                   <a:srgbClr val="005C2A"/>
                 </a:solidFill>
+                <a:latin typeface="微軟正黑體" panose="020B0604030504040204" pitchFamily="34" charset="-120"/>
+                <a:ea typeface="微軟正黑體" panose="020B0604030504040204" pitchFamily="34" charset="-120"/>
               </a:rPr>
               <a:t>groupId</a:t>
             </a:r>
             <a:r>
-              <a:rPr lang="en-US" altLang="zh-TW" sz="1800" dirty="0">
+              <a:rPr lang="en-US" altLang="zh-TW" sz="2200" dirty="0">
                 <a:solidFill>
                   <a:srgbClr val="005C2A"/>
                 </a:solidFill>
+                <a:latin typeface="微軟正黑體" panose="020B0604030504040204" pitchFamily="34" charset="-120"/>
+                <a:ea typeface="微軟正黑體" panose="020B0604030504040204" pitchFamily="34" charset="-120"/>
               </a:rPr>
               <a:t>&gt;</a:t>
             </a:r>
@@ -6227,62 +6833,83 @@
               <a:buNone/>
             </a:pPr>
             <a:r>
-              <a:rPr lang="en-US" altLang="zh-TW" sz="1800" dirty="0"/>
+              <a:rPr lang="en-US" altLang="zh-TW" sz="2200" dirty="0">
+                <a:latin typeface="微軟正黑體" panose="020B0604030504040204" pitchFamily="34" charset="-120"/>
+                <a:ea typeface="微軟正黑體" panose="020B0604030504040204" pitchFamily="34" charset="-120"/>
+              </a:rPr>
               <a:t>    </a:t>
             </a:r>
             <a:r>
-              <a:rPr lang="en-US" altLang="zh-TW" sz="1800" dirty="0" smtClean="0"/>
+              <a:rPr lang="en-US" altLang="zh-TW" sz="2200" dirty="0" smtClean="0">
+                <a:latin typeface="微軟正黑體" panose="020B0604030504040204" pitchFamily="34" charset="-120"/>
+                <a:ea typeface="微軟正黑體" panose="020B0604030504040204" pitchFamily="34" charset="-120"/>
+              </a:rPr>
               <a:t>	</a:t>
             </a:r>
             <a:r>
-              <a:rPr lang="en-US" altLang="zh-TW" sz="1800" dirty="0">
+              <a:rPr lang="en-US" altLang="zh-TW" sz="2200" dirty="0">
                 <a:solidFill>
                   <a:srgbClr val="005C2A"/>
                 </a:solidFill>
+                <a:latin typeface="微軟正黑體" panose="020B0604030504040204" pitchFamily="34" charset="-120"/>
+                <a:ea typeface="微軟正黑體" panose="020B0604030504040204" pitchFamily="34" charset="-120"/>
               </a:rPr>
               <a:t>&lt;</a:t>
             </a:r>
             <a:r>
-              <a:rPr lang="en-US" altLang="zh-TW" sz="1800" dirty="0" err="1">
+              <a:rPr lang="en-US" altLang="zh-TW" sz="2200" dirty="0" err="1">
                 <a:solidFill>
                   <a:srgbClr val="005C2A"/>
                 </a:solidFill>
+                <a:latin typeface="微軟正黑體" panose="020B0604030504040204" pitchFamily="34" charset="-120"/>
+                <a:ea typeface="微軟正黑體" panose="020B0604030504040204" pitchFamily="34" charset="-120"/>
               </a:rPr>
               <a:t>artifactId</a:t>
             </a:r>
             <a:r>
-              <a:rPr lang="en-US" altLang="zh-TW" sz="1800" dirty="0">
+              <a:rPr lang="en-US" altLang="zh-TW" sz="2200" dirty="0">
                 <a:solidFill>
                   <a:srgbClr val="005C2A"/>
                 </a:solidFill>
+                <a:latin typeface="微軟正黑體" panose="020B0604030504040204" pitchFamily="34" charset="-120"/>
+                <a:ea typeface="微軟正黑體" panose="020B0604030504040204" pitchFamily="34" charset="-120"/>
               </a:rPr>
               <a:t>&gt;</a:t>
             </a:r>
             <a:r>
-              <a:rPr lang="en-US" altLang="zh-TW" sz="1800" dirty="0"/>
+              <a:rPr lang="en-US" altLang="zh-TW" sz="2200" dirty="0">
+                <a:latin typeface="微軟正黑體" panose="020B0604030504040204" pitchFamily="34" charset="-120"/>
+                <a:ea typeface="微軟正黑體" panose="020B0604030504040204" pitchFamily="34" charset="-120"/>
+              </a:rPr>
               <a:t>springfox-swagger2</a:t>
             </a:r>
             <a:r>
-              <a:rPr lang="en-US" altLang="zh-TW" sz="1800" dirty="0">
+              <a:rPr lang="en-US" altLang="zh-TW" sz="2200" dirty="0">
                 <a:solidFill>
                   <a:srgbClr val="005C2A"/>
                 </a:solidFill>
+                <a:latin typeface="微軟正黑體" panose="020B0604030504040204" pitchFamily="34" charset="-120"/>
+                <a:ea typeface="微軟正黑體" panose="020B0604030504040204" pitchFamily="34" charset="-120"/>
               </a:rPr>
               <a:t>&lt;/</a:t>
             </a:r>
             <a:r>
-              <a:rPr lang="en-US" altLang="zh-TW" sz="1800" dirty="0" err="1">
+              <a:rPr lang="en-US" altLang="zh-TW" sz="2200" dirty="0" err="1">
                 <a:solidFill>
                   <a:srgbClr val="005C2A"/>
                 </a:solidFill>
+                <a:latin typeface="微軟正黑體" panose="020B0604030504040204" pitchFamily="34" charset="-120"/>
+                <a:ea typeface="微軟正黑體" panose="020B0604030504040204" pitchFamily="34" charset="-120"/>
               </a:rPr>
               <a:t>artifactId</a:t>
             </a:r>
             <a:r>
-              <a:rPr lang="en-US" altLang="zh-TW" sz="1800" dirty="0">
+              <a:rPr lang="en-US" altLang="zh-TW" sz="2200" dirty="0">
                 <a:solidFill>
                   <a:srgbClr val="005C2A"/>
                 </a:solidFill>
+                <a:latin typeface="微軟正黑體" panose="020B0604030504040204" pitchFamily="34" charset="-120"/>
+                <a:ea typeface="微軟正黑體" panose="020B0604030504040204" pitchFamily="34" charset="-120"/>
               </a:rPr>
               <a:t>&gt;</a:t>
             </a:r>
@@ -6292,30 +6919,43 @@
               <a:buNone/>
             </a:pPr>
             <a:r>
-              <a:rPr lang="en-US" altLang="zh-TW" sz="1800" dirty="0"/>
+              <a:rPr lang="en-US" altLang="zh-TW" sz="2200" dirty="0">
+                <a:latin typeface="微軟正黑體" panose="020B0604030504040204" pitchFamily="34" charset="-120"/>
+                <a:ea typeface="微軟正黑體" panose="020B0604030504040204" pitchFamily="34" charset="-120"/>
+              </a:rPr>
               <a:t>    </a:t>
             </a:r>
             <a:r>
-              <a:rPr lang="en-US" altLang="zh-TW" sz="1800" dirty="0" smtClean="0"/>
+              <a:rPr lang="en-US" altLang="zh-TW" sz="2200" dirty="0" smtClean="0">
+                <a:latin typeface="微軟正黑體" panose="020B0604030504040204" pitchFamily="34" charset="-120"/>
+                <a:ea typeface="微軟正黑體" panose="020B0604030504040204" pitchFamily="34" charset="-120"/>
+              </a:rPr>
               <a:t>	</a:t>
             </a:r>
             <a:r>
-              <a:rPr lang="en-US" altLang="zh-TW" sz="1800" dirty="0">
+              <a:rPr lang="en-US" altLang="zh-TW" sz="2200" dirty="0">
                 <a:solidFill>
                   <a:srgbClr val="005C2A"/>
                 </a:solidFill>
+                <a:latin typeface="微軟正黑體" panose="020B0604030504040204" pitchFamily="34" charset="-120"/>
+                <a:ea typeface="微軟正黑體" panose="020B0604030504040204" pitchFamily="34" charset="-120"/>
               </a:rPr>
               <a:t>&lt;version&gt;</a:t>
             </a:r>
             <a:r>
-              <a:rPr lang="en-US" altLang="zh-TW" sz="1800" dirty="0" smtClean="0"/>
+              <a:rPr lang="en-US" altLang="zh-TW" sz="2200" dirty="0" smtClean="0">
+                <a:latin typeface="微軟正黑體" panose="020B0604030504040204" pitchFamily="34" charset="-120"/>
+                <a:ea typeface="微軟正黑體" panose="020B0604030504040204" pitchFamily="34" charset="-120"/>
+              </a:rPr>
               <a:t>2.8.0</a:t>
             </a:r>
             <a:r>
-              <a:rPr lang="en-US" altLang="zh-TW" sz="1800" dirty="0">
+              <a:rPr lang="en-US" altLang="zh-TW" sz="2200" dirty="0">
                 <a:solidFill>
                   <a:srgbClr val="005C2A"/>
                 </a:solidFill>
+                <a:latin typeface="微軟正黑體" panose="020B0604030504040204" pitchFamily="34" charset="-120"/>
+                <a:ea typeface="微軟正黑體" panose="020B0604030504040204" pitchFamily="34" charset="-120"/>
               </a:rPr>
               <a:t>&lt;/version&gt;</a:t>
             </a:r>
@@ -6325,37 +6965,308 @@
               <a:buNone/>
             </a:pPr>
             <a:r>
-              <a:rPr lang="en-US" altLang="zh-TW" sz="1800" dirty="0" smtClean="0"/>
+              <a:rPr lang="en-US" altLang="zh-TW" sz="2200" dirty="0" smtClean="0">
+                <a:latin typeface="微軟正黑體" panose="020B0604030504040204" pitchFamily="34" charset="-120"/>
+                <a:ea typeface="微軟正黑體" panose="020B0604030504040204" pitchFamily="34" charset="-120"/>
+              </a:rPr>
               <a:t>       </a:t>
             </a:r>
             <a:r>
-              <a:rPr lang="en-US" altLang="zh-TW" sz="1800" dirty="0">
+              <a:rPr lang="en-US" altLang="zh-TW" sz="2200" dirty="0">
                 <a:solidFill>
                   <a:srgbClr val="005C2A"/>
                 </a:solidFill>
-              </a:rPr>
-              <a:t>&lt;/</a:t>
-            </a:r>
-            <a:r>
-              <a:rPr lang="en-US" altLang="zh-TW" sz="1800" dirty="0">
+                <a:latin typeface="微軟正黑體" panose="020B0604030504040204" pitchFamily="34" charset="-120"/>
+                <a:ea typeface="微軟正黑體" panose="020B0604030504040204" pitchFamily="34" charset="-120"/>
+              </a:rPr>
+              <a:t>&lt;/dependency</a:t>
+            </a:r>
+            <a:r>
+              <a:rPr lang="en-US" altLang="zh-TW" sz="2200" dirty="0" smtClean="0">
                 <a:solidFill>
                   <a:srgbClr val="005C2A"/>
                 </a:solidFill>
-              </a:rPr>
-              <a:t>dependency</a:t>
-            </a:r>
-            <a:r>
-              <a:rPr lang="en-US" altLang="zh-TW" sz="1800" dirty="0" smtClean="0">
+                <a:latin typeface="微軟正黑體" panose="020B0604030504040204" pitchFamily="34" charset="-120"/>
+                <a:ea typeface="微軟正黑體" panose="020B0604030504040204" pitchFamily="34" charset="-120"/>
+              </a:rPr>
+              <a:t>&gt;</a:t>
+            </a:r>
+          </a:p>
+          <a:p>
+            <a:pPr marL="0" indent="0">
+              <a:buNone/>
+            </a:pPr>
+            <a:r>
+              <a:rPr lang="en-US" altLang="zh-TW" sz="2200" dirty="0" smtClean="0">
                 <a:solidFill>
                   <a:srgbClr val="005C2A"/>
                 </a:solidFill>
+                <a:latin typeface="微軟正黑體" panose="020B0604030504040204" pitchFamily="34" charset="-120"/>
+                <a:ea typeface="微軟正黑體" panose="020B0604030504040204" pitchFamily="34" charset="-120"/>
+              </a:rPr>
+              <a:t>       &lt;</a:t>
+            </a:r>
+            <a:r>
+              <a:rPr lang="en-US" altLang="zh-TW" sz="2200" dirty="0">
+                <a:solidFill>
+                  <a:srgbClr val="005C2A"/>
+                </a:solidFill>
+                <a:latin typeface="微軟正黑體" panose="020B0604030504040204" pitchFamily="34" charset="-120"/>
+                <a:ea typeface="微軟正黑體" panose="020B0604030504040204" pitchFamily="34" charset="-120"/>
+              </a:rPr>
+              <a:t>dependency&gt;</a:t>
+            </a:r>
+          </a:p>
+          <a:p>
+            <a:pPr marL="0" indent="0">
+              <a:buNone/>
+            </a:pPr>
+            <a:r>
+              <a:rPr lang="en-US" altLang="zh-TW" sz="2200" dirty="0">
+                <a:solidFill>
+                  <a:srgbClr val="005C2A"/>
+                </a:solidFill>
+                <a:latin typeface="微軟正黑體" panose="020B0604030504040204" pitchFamily="34" charset="-120"/>
+                <a:ea typeface="微軟正黑體" panose="020B0604030504040204" pitchFamily="34" charset="-120"/>
+              </a:rPr>
+              <a:t>    </a:t>
+            </a:r>
+            <a:r>
+              <a:rPr lang="en-US" altLang="zh-TW" sz="2200" dirty="0" smtClean="0">
+                <a:solidFill>
+                  <a:srgbClr val="005C2A"/>
+                </a:solidFill>
+                <a:latin typeface="微軟正黑體" panose="020B0604030504040204" pitchFamily="34" charset="-120"/>
+                <a:ea typeface="微軟正黑體" panose="020B0604030504040204" pitchFamily="34" charset="-120"/>
+              </a:rPr>
+              <a:t>         &lt;</a:t>
+            </a:r>
+            <a:r>
+              <a:rPr lang="en-US" altLang="zh-TW" sz="2200" dirty="0" err="1">
+                <a:solidFill>
+                  <a:srgbClr val="005C2A"/>
+                </a:solidFill>
+                <a:latin typeface="微軟正黑體" panose="020B0604030504040204" pitchFamily="34" charset="-120"/>
+                <a:ea typeface="微軟正黑體" panose="020B0604030504040204" pitchFamily="34" charset="-120"/>
+              </a:rPr>
+              <a:t>groupId</a:t>
+            </a:r>
+            <a:r>
+              <a:rPr lang="en-US" altLang="zh-TW" sz="2200" dirty="0">
+                <a:solidFill>
+                  <a:srgbClr val="005C2A"/>
+                </a:solidFill>
+                <a:latin typeface="微軟正黑體" panose="020B0604030504040204" pitchFamily="34" charset="-120"/>
+                <a:ea typeface="微軟正黑體" panose="020B0604030504040204" pitchFamily="34" charset="-120"/>
               </a:rPr>
               <a:t>&gt;</a:t>
             </a:r>
-            <a:endParaRPr lang="en-US" altLang="zh-TW" sz="1800" dirty="0">
+            <a:r>
+              <a:rPr lang="en-US" altLang="zh-TW" sz="2200" dirty="0" err="1">
+                <a:latin typeface="微軟正黑體" panose="020B0604030504040204" pitchFamily="34" charset="-120"/>
+                <a:ea typeface="微軟正黑體" panose="020B0604030504040204" pitchFamily="34" charset="-120"/>
+              </a:rPr>
+              <a:t>io.springfox</a:t>
+            </a:r>
+            <a:r>
+              <a:rPr lang="en-US" altLang="zh-TW" sz="2200" dirty="0">
+                <a:solidFill>
+                  <a:srgbClr val="005C2A"/>
+                </a:solidFill>
+                <a:latin typeface="微軟正黑體" panose="020B0604030504040204" pitchFamily="34" charset="-120"/>
+                <a:ea typeface="微軟正黑體" panose="020B0604030504040204" pitchFamily="34" charset="-120"/>
+              </a:rPr>
+              <a:t>&lt;/</a:t>
+            </a:r>
+            <a:r>
+              <a:rPr lang="en-US" altLang="zh-TW" sz="2200" dirty="0" err="1">
+                <a:solidFill>
+                  <a:srgbClr val="005C2A"/>
+                </a:solidFill>
+                <a:latin typeface="微軟正黑體" panose="020B0604030504040204" pitchFamily="34" charset="-120"/>
+                <a:ea typeface="微軟正黑體" panose="020B0604030504040204" pitchFamily="34" charset="-120"/>
+              </a:rPr>
+              <a:t>groupId</a:t>
+            </a:r>
+            <a:r>
+              <a:rPr lang="en-US" altLang="zh-TW" sz="2200" dirty="0">
+                <a:solidFill>
+                  <a:srgbClr val="005C2A"/>
+                </a:solidFill>
+                <a:latin typeface="微軟正黑體" panose="020B0604030504040204" pitchFamily="34" charset="-120"/>
+                <a:ea typeface="微軟正黑體" panose="020B0604030504040204" pitchFamily="34" charset="-120"/>
+              </a:rPr>
+              <a:t>&gt;</a:t>
+            </a:r>
+          </a:p>
+          <a:p>
+            <a:pPr marL="0" indent="0">
+              <a:buNone/>
+            </a:pPr>
+            <a:r>
+              <a:rPr lang="en-US" altLang="zh-TW" sz="2200" dirty="0">
+                <a:solidFill>
+                  <a:srgbClr val="005C2A"/>
+                </a:solidFill>
+                <a:latin typeface="微軟正黑體" panose="020B0604030504040204" pitchFamily="34" charset="-120"/>
+                <a:ea typeface="微軟正黑體" panose="020B0604030504040204" pitchFamily="34" charset="-120"/>
+              </a:rPr>
+              <a:t>    </a:t>
+            </a:r>
+            <a:r>
+              <a:rPr lang="en-US" altLang="zh-TW" sz="2200" dirty="0" smtClean="0">
+                <a:solidFill>
+                  <a:srgbClr val="005C2A"/>
+                </a:solidFill>
+                <a:latin typeface="微軟正黑體" panose="020B0604030504040204" pitchFamily="34" charset="-120"/>
+                <a:ea typeface="微軟正黑體" panose="020B0604030504040204" pitchFamily="34" charset="-120"/>
+              </a:rPr>
+              <a:t>	&lt;</a:t>
+            </a:r>
+            <a:r>
+              <a:rPr lang="en-US" altLang="zh-TW" sz="2200" dirty="0" err="1">
+                <a:solidFill>
+                  <a:srgbClr val="005C2A"/>
+                </a:solidFill>
+                <a:latin typeface="微軟正黑體" panose="020B0604030504040204" pitchFamily="34" charset="-120"/>
+                <a:ea typeface="微軟正黑體" panose="020B0604030504040204" pitchFamily="34" charset="-120"/>
+              </a:rPr>
+              <a:t>artifactId</a:t>
+            </a:r>
+            <a:r>
+              <a:rPr lang="en-US" altLang="zh-TW" sz="2200" dirty="0">
+                <a:solidFill>
+                  <a:srgbClr val="005C2A"/>
+                </a:solidFill>
+                <a:latin typeface="微軟正黑體" panose="020B0604030504040204" pitchFamily="34" charset="-120"/>
+                <a:ea typeface="微軟正黑體" panose="020B0604030504040204" pitchFamily="34" charset="-120"/>
+              </a:rPr>
+              <a:t>&gt;</a:t>
+            </a:r>
+            <a:r>
+              <a:rPr lang="en-US" altLang="zh-TW" sz="2200" dirty="0" err="1">
+                <a:latin typeface="微軟正黑體" panose="020B0604030504040204" pitchFamily="34" charset="-120"/>
+                <a:ea typeface="微軟正黑體" panose="020B0604030504040204" pitchFamily="34" charset="-120"/>
+              </a:rPr>
+              <a:t>springfox</a:t>
+            </a:r>
+            <a:r>
+              <a:rPr lang="en-US" altLang="zh-TW" sz="2200" dirty="0">
+                <a:latin typeface="微軟正黑體" panose="020B0604030504040204" pitchFamily="34" charset="-120"/>
+                <a:ea typeface="微軟正黑體" panose="020B0604030504040204" pitchFamily="34" charset="-120"/>
+              </a:rPr>
+              <a:t>-swagger-</a:t>
+            </a:r>
+            <a:r>
+              <a:rPr lang="en-US" altLang="zh-TW" sz="2200" dirty="0" err="1">
+                <a:latin typeface="微軟正黑體" panose="020B0604030504040204" pitchFamily="34" charset="-120"/>
+                <a:ea typeface="微軟正黑體" panose="020B0604030504040204" pitchFamily="34" charset="-120"/>
+              </a:rPr>
+              <a:t>ui</a:t>
+            </a:r>
+            <a:r>
+              <a:rPr lang="en-US" altLang="zh-TW" sz="2200" dirty="0">
+                <a:solidFill>
+                  <a:srgbClr val="005C2A"/>
+                </a:solidFill>
+                <a:latin typeface="微軟正黑體" panose="020B0604030504040204" pitchFamily="34" charset="-120"/>
+                <a:ea typeface="微軟正黑體" panose="020B0604030504040204" pitchFamily="34" charset="-120"/>
+              </a:rPr>
+              <a:t>&lt;/</a:t>
+            </a:r>
+            <a:r>
+              <a:rPr lang="en-US" altLang="zh-TW" sz="2200" dirty="0" err="1">
+                <a:solidFill>
+                  <a:srgbClr val="005C2A"/>
+                </a:solidFill>
+                <a:latin typeface="微軟正黑體" panose="020B0604030504040204" pitchFamily="34" charset="-120"/>
+                <a:ea typeface="微軟正黑體" panose="020B0604030504040204" pitchFamily="34" charset="-120"/>
+              </a:rPr>
+              <a:t>artifactId</a:t>
+            </a:r>
+            <a:r>
+              <a:rPr lang="en-US" altLang="zh-TW" sz="2200" dirty="0">
+                <a:solidFill>
+                  <a:srgbClr val="005C2A"/>
+                </a:solidFill>
+                <a:latin typeface="微軟正黑體" panose="020B0604030504040204" pitchFamily="34" charset="-120"/>
+                <a:ea typeface="微軟正黑體" panose="020B0604030504040204" pitchFamily="34" charset="-120"/>
+              </a:rPr>
+              <a:t>&gt;</a:t>
+            </a:r>
+          </a:p>
+          <a:p>
+            <a:pPr marL="0" indent="0">
+              <a:buNone/>
+            </a:pPr>
+            <a:r>
+              <a:rPr lang="en-US" altLang="zh-TW" sz="2200" dirty="0">
+                <a:solidFill>
+                  <a:srgbClr val="005C2A"/>
+                </a:solidFill>
+                <a:latin typeface="微軟正黑體" panose="020B0604030504040204" pitchFamily="34" charset="-120"/>
+                <a:ea typeface="微軟正黑體" panose="020B0604030504040204" pitchFamily="34" charset="-120"/>
+              </a:rPr>
+              <a:t>   </a:t>
+            </a:r>
+            <a:r>
+              <a:rPr lang="en-US" altLang="zh-TW" sz="2200" dirty="0" smtClean="0">
+                <a:solidFill>
+                  <a:srgbClr val="005C2A"/>
+                </a:solidFill>
+                <a:latin typeface="微軟正黑體" panose="020B0604030504040204" pitchFamily="34" charset="-120"/>
+                <a:ea typeface="微軟正黑體" panose="020B0604030504040204" pitchFamily="34" charset="-120"/>
+              </a:rPr>
+              <a:t>	&lt;version&gt;</a:t>
+            </a:r>
+            <a:r>
+              <a:rPr lang="en-US" altLang="zh-TW" sz="2200" dirty="0" smtClean="0">
+                <a:latin typeface="微軟正黑體" panose="020B0604030504040204" pitchFamily="34" charset="-120"/>
+                <a:ea typeface="微軟正黑體" panose="020B0604030504040204" pitchFamily="34" charset="-120"/>
+              </a:rPr>
+              <a:t>2.8.0</a:t>
+            </a:r>
+            <a:r>
+              <a:rPr lang="en-US" altLang="zh-TW" sz="2200" dirty="0">
+                <a:solidFill>
+                  <a:srgbClr val="005C2A"/>
+                </a:solidFill>
+                <a:latin typeface="微軟正黑體" panose="020B0604030504040204" pitchFamily="34" charset="-120"/>
+                <a:ea typeface="微軟正黑體" panose="020B0604030504040204" pitchFamily="34" charset="-120"/>
+              </a:rPr>
+              <a:t>&lt;/version&gt;</a:t>
+            </a:r>
+          </a:p>
+          <a:p>
+            <a:pPr marL="0" indent="0">
+              <a:buNone/>
+            </a:pPr>
+            <a:r>
+              <a:rPr lang="en-US" altLang="zh-TW" sz="2200" dirty="0" smtClean="0">
+                <a:solidFill>
+                  <a:srgbClr val="005C2A"/>
+                </a:solidFill>
+                <a:latin typeface="微軟正黑體" panose="020B0604030504040204" pitchFamily="34" charset="-120"/>
+                <a:ea typeface="微軟正黑體" panose="020B0604030504040204" pitchFamily="34" charset="-120"/>
+              </a:rPr>
+              <a:t>       &lt;/</a:t>
+            </a:r>
+            <a:r>
+              <a:rPr lang="en-US" altLang="zh-TW" sz="2200" dirty="0">
+                <a:solidFill>
+                  <a:srgbClr val="005C2A"/>
+                </a:solidFill>
+                <a:latin typeface="微軟正黑體" panose="020B0604030504040204" pitchFamily="34" charset="-120"/>
+                <a:ea typeface="微軟正黑體" panose="020B0604030504040204" pitchFamily="34" charset="-120"/>
+              </a:rPr>
+              <a:t>dependency&gt;</a:t>
+            </a:r>
+            <a:endParaRPr lang="en-US" altLang="zh-TW" sz="2200" dirty="0">
               <a:solidFill>
                 <a:srgbClr val="005C2A"/>
               </a:solidFill>
+              <a:latin typeface="微軟正黑體" panose="020B0604030504040204" pitchFamily="34" charset="-120"/>
+              <a:ea typeface="微軟正黑體" panose="020B0604030504040204" pitchFamily="34" charset="-120"/>
             </a:endParaRPr>
           </a:p>
         </p:txBody>
@@ -6380,7 +7291,7 @@
 </p:sld>
 </file>
 
-<file path=ppt/slides/slide6.xml><?xml version="1.0" encoding="utf-8"?>
+<file path=ppt/slides/slide8.xml><?xml version="1.0" encoding="utf-8"?>
 <p:sld xmlns:a="http://schemas.openxmlformats.org/drawingml/2006/main" xmlns:r="http://schemas.openxmlformats.org/officeDocument/2006/relationships" xmlns:p="http://schemas.openxmlformats.org/presentationml/2006/main">
   <p:cSld>
     <p:spTree>
@@ -6413,14 +7324,30 @@
           <a:lstStyle/>
           <a:p>
             <a:r>
-              <a:rPr lang="zh-TW" altLang="en-US" dirty="0" smtClean="0"/>
-              <a:t>如何使用</a:t>
-            </a:r>
-            <a:r>
-              <a:rPr lang="en-US" altLang="zh-TW" dirty="0" smtClean="0"/>
-              <a:t>SWAGGER UI</a:t>
-            </a:r>
-            <a:endParaRPr lang="zh-TW" altLang="en-US" dirty="0"/>
+              <a:rPr lang="zh-TW" altLang="en-US" b="1" dirty="0" smtClean="0">
+                <a:latin typeface="微軟正黑體" panose="020B0604030504040204" pitchFamily="34" charset="-120"/>
+                <a:ea typeface="微軟正黑體" panose="020B0604030504040204" pitchFamily="34" charset="-120"/>
+              </a:rPr>
+              <a:t>如何</a:t>
+            </a:r>
+            <a:r>
+              <a:rPr lang="zh-TW" altLang="en-US" b="1" dirty="0" smtClean="0">
+                <a:latin typeface="微軟正黑體" panose="020B0604030504040204" pitchFamily="34" charset="-120"/>
+                <a:ea typeface="微軟正黑體" panose="020B0604030504040204" pitchFamily="34" charset="-120"/>
+              </a:rPr>
+              <a:t>使用</a:t>
+            </a:r>
+            <a:r>
+              <a:rPr lang="en-US" altLang="zh-TW" b="1" dirty="0" smtClean="0">
+                <a:latin typeface="微軟正黑體" panose="020B0604030504040204" pitchFamily="34" charset="-120"/>
+                <a:ea typeface="微軟正黑體" panose="020B0604030504040204" pitchFamily="34" charset="-120"/>
+              </a:rPr>
+              <a:t>swagger UI</a:t>
+            </a:r>
+            <a:endParaRPr lang="zh-TW" altLang="en-US" b="1" dirty="0">
+              <a:latin typeface="微軟正黑體" panose="020B0604030504040204" pitchFamily="34" charset="-120"/>
+              <a:ea typeface="微軟正黑體" panose="020B0604030504040204" pitchFamily="34" charset="-120"/>
+            </a:endParaRPr>
           </a:p>
         </p:txBody>
       </p:sp>
@@ -6440,41 +7367,57 @@
           <a:lstStyle/>
           <a:p>
             <a:r>
-              <a:rPr lang="en-US" altLang="zh-TW" dirty="0" smtClean="0"/>
-              <a:t>Spring-boot</a:t>
-            </a:r>
-          </a:p>
-          <a:p>
-            <a:r>
-              <a:rPr lang="zh-TW" altLang="en-US" sz="1800" dirty="0" smtClean="0"/>
+              <a:rPr lang="en-US" altLang="zh-TW" dirty="0" smtClean="0">
+                <a:latin typeface="微軟正黑體" panose="020B0604030504040204" pitchFamily="34" charset="-120"/>
+                <a:ea typeface="微軟正黑體" panose="020B0604030504040204" pitchFamily="34" charset="-120"/>
+              </a:rPr>
+              <a:t>Spring boot-</a:t>
+            </a:r>
+            <a:r>
+              <a:rPr lang="zh-TW" altLang="en-US" dirty="0" smtClean="0">
+                <a:latin typeface="微軟正黑體" panose="020B0604030504040204" pitchFamily="34" charset="-120"/>
+                <a:ea typeface="微軟正黑體" panose="020B0604030504040204" pitchFamily="34" charset="-120"/>
+              </a:rPr>
               <a:t>在</a:t>
             </a:r>
             <a:r>
-              <a:rPr lang="en-US" altLang="zh-TW" sz="1800" dirty="0" smtClean="0"/>
-              <a:t>spring-boot</a:t>
-            </a:r>
-            <a:r>
-              <a:rPr lang="zh-TW" altLang="en-US" sz="1800" dirty="0" smtClean="0"/>
-              <a:t>的</a:t>
-            </a:r>
-            <a:r>
-              <a:rPr lang="en-US" altLang="zh-TW" sz="1800" dirty="0" smtClean="0"/>
+              <a:rPr lang="en-US" altLang="zh-TW" dirty="0" smtClean="0">
+                <a:latin typeface="微軟正黑體" panose="020B0604030504040204" pitchFamily="34" charset="-120"/>
+                <a:ea typeface="微軟正黑體" panose="020B0604030504040204" pitchFamily="34" charset="-120"/>
+              </a:rPr>
               <a:t>package</a:t>
             </a:r>
             <a:r>
-              <a:rPr lang="zh-TW" altLang="en-US" sz="1800" dirty="0" smtClean="0"/>
-              <a:t>下增加一隻</a:t>
-            </a:r>
-            <a:r>
-              <a:rPr lang="en-US" altLang="zh-TW" sz="1800" dirty="0" smtClean="0"/>
+              <a:rPr lang="zh-TW" altLang="en-US" dirty="0" smtClean="0">
+                <a:latin typeface="微軟正黑體" panose="020B0604030504040204" pitchFamily="34" charset="-120"/>
+                <a:ea typeface="微軟正黑體" panose="020B0604030504040204" pitchFamily="34" charset="-120"/>
+              </a:rPr>
+              <a:t>下增加</a:t>
+            </a:r>
+            <a:r>
+              <a:rPr lang="zh-TW" altLang="en-US" dirty="0" smtClean="0">
+                <a:latin typeface="微軟正黑體" panose="020B0604030504040204" pitchFamily="34" charset="-120"/>
+                <a:ea typeface="微軟正黑體" panose="020B0604030504040204" pitchFamily="34" charset="-120"/>
+              </a:rPr>
+              <a:t>一個</a:t>
+            </a:r>
+            <a:r>
+              <a:rPr lang="en-US" altLang="zh-TW" dirty="0" smtClean="0">
+                <a:latin typeface="微軟正黑體" panose="020B0604030504040204" pitchFamily="34" charset="-120"/>
+                <a:ea typeface="微軟正黑體" panose="020B0604030504040204" pitchFamily="34" charset="-120"/>
+              </a:rPr>
               <a:t>class</a:t>
             </a:r>
+            <a:endParaRPr lang="en-US" altLang="zh-TW" dirty="0" smtClean="0">
+              <a:latin typeface="微軟正黑體" panose="020B0604030504040204" pitchFamily="34" charset="-120"/>
+              <a:ea typeface="微軟正黑體" panose="020B0604030504040204" pitchFamily="34" charset="-120"/>
+            </a:endParaRPr>
           </a:p>
           <a:p>
             <a:pPr marL="0" indent="0">
               <a:buNone/>
             </a:pPr>
-            <a:endParaRPr lang="en-US" altLang="zh-TW" sz="1800" dirty="0" smtClean="0"/>
+            <a:endParaRPr lang="en-US" altLang="zh-TW" dirty="0" smtClean="0"/>
           </a:p>
         </p:txBody>
       </p:sp>
@@ -6501,8 +7444,8 @@
         </p:blipFill>
         <p:spPr bwMode="auto">
           <a:xfrm>
-            <a:off x="107504" y="2636912"/>
-            <a:ext cx="8928992" cy="3549918"/>
+            <a:off x="179512" y="2708920"/>
+            <a:ext cx="8712968" cy="3464033"/>
           </a:xfrm>
           <a:prstGeom prst="rect">
             <a:avLst/>
@@ -6552,7 +7495,7 @@
 </p:sld>
 </file>
 
-<file path=ppt/slides/slide7.xml><?xml version="1.0" encoding="utf-8"?>
+<file path=ppt/slides/slide9.xml><?xml version="1.0" encoding="utf-8"?>
 <p:sld xmlns:a="http://schemas.openxmlformats.org/drawingml/2006/main" xmlns:r="http://schemas.openxmlformats.org/officeDocument/2006/relationships" xmlns:p="http://schemas.openxmlformats.org/presentationml/2006/main">
   <p:cSld>
     <p:spTree>
@@ -6590,15 +7533,7 @@
             </a:r>
             <a:r>
               <a:rPr lang="en-US" altLang="zh-TW" dirty="0" smtClean="0"/>
-              <a:t>SWAGGER</a:t>
-            </a:r>
-            <a:r>
-              <a:rPr lang="zh-TW" altLang="en-US" dirty="0" smtClean="0"/>
-              <a:t> </a:t>
-            </a:r>
-            <a:r>
-              <a:rPr lang="en-US" altLang="zh-TW" dirty="0" smtClean="0"/>
-              <a:t>UI</a:t>
+              <a:t>swagger UI</a:t>
             </a:r>
             <a:endParaRPr lang="zh-TW" altLang="en-US" dirty="0"/>
           </a:p>
@@ -6620,26 +7555,44 @@
           <a:lstStyle/>
           <a:p>
             <a:r>
-              <a:rPr lang="zh-TW" altLang="en-US" sz="1800" dirty="0"/>
+              <a:rPr lang="zh-TW" altLang="en-US" sz="2400" dirty="0">
+                <a:latin typeface="微軟正黑體" panose="020B0604030504040204" pitchFamily="34" charset="-120"/>
+                <a:ea typeface="微軟正黑體" panose="020B0604030504040204" pitchFamily="34" charset="-120"/>
+              </a:rPr>
               <a:t>啟動專案</a:t>
             </a:r>
             <a:r>
-              <a:rPr lang="zh-TW" altLang="en-US" sz="1800" dirty="0" smtClean="0"/>
+              <a:rPr lang="zh-TW" altLang="en-US" sz="2400" dirty="0" smtClean="0">
+                <a:latin typeface="微軟正黑體" panose="020B0604030504040204" pitchFamily="34" charset="-120"/>
+                <a:ea typeface="微軟正黑體" panose="020B0604030504040204" pitchFamily="34" charset="-120"/>
+              </a:rPr>
               <a:t>後再瀏覽器輸入</a:t>
             </a:r>
             <a:r>
-              <a:rPr lang="en-US" altLang="zh-TW" sz="1800" dirty="0" smtClean="0"/>
+              <a:rPr lang="en-US" altLang="zh-TW" sz="2400" dirty="0" smtClean="0">
+                <a:latin typeface="微軟正黑體" panose="020B0604030504040204" pitchFamily="34" charset="-120"/>
+                <a:ea typeface="微軟正黑體" panose="020B0604030504040204" pitchFamily="34" charset="-120"/>
+              </a:rPr>
               <a:t>http</a:t>
             </a:r>
             <a:r>
-              <a:rPr lang="en-US" altLang="zh-TW" sz="1800" dirty="0"/>
+              <a:rPr lang="en-US" altLang="zh-TW" sz="2400" dirty="0">
+                <a:latin typeface="微軟正黑體" panose="020B0604030504040204" pitchFamily="34" charset="-120"/>
+                <a:ea typeface="微軟正黑體" panose="020B0604030504040204" pitchFamily="34" charset="-120"/>
+              </a:rPr>
               <a:t>://</a:t>
             </a:r>
             <a:r>
-              <a:rPr lang="en-US" altLang="zh-TW" sz="1800" dirty="0" smtClean="0"/>
+              <a:rPr lang="en-US" altLang="zh-TW" sz="2400" dirty="0" smtClean="0">
+                <a:latin typeface="微軟正黑體" panose="020B0604030504040204" pitchFamily="34" charset="-120"/>
+                <a:ea typeface="微軟正黑體" panose="020B0604030504040204" pitchFamily="34" charset="-120"/>
+              </a:rPr>
               <a:t>localhost:8060/${project}/swagger-ui.html</a:t>
             </a:r>
-            <a:endParaRPr lang="zh-TW" altLang="en-US" sz="1800" dirty="0"/>
+            <a:endParaRPr lang="zh-TW" altLang="en-US" sz="2400" dirty="0">
+              <a:latin typeface="微軟正黑體" panose="020B0604030504040204" pitchFamily="34" charset="-120"/>
+              <a:ea typeface="微軟正黑體" panose="020B0604030504040204" pitchFamily="34" charset="-120"/>
+            </a:endParaRPr>
           </a:p>
         </p:txBody>
       </p:sp>
@@ -6666,8 +7619,8 @@
         </p:blipFill>
         <p:spPr bwMode="auto">
           <a:xfrm>
-            <a:off x="971600" y="1916832"/>
-            <a:ext cx="7056784" cy="4353148"/>
+            <a:off x="1368354" y="2383678"/>
+            <a:ext cx="6299990" cy="3886301"/>
           </a:xfrm>
           <a:prstGeom prst="rect">
             <a:avLst/>
@@ -6697,6 +7650,52 @@
           </a:extLst>
         </p:spPr>
       </p:pic>
+      <p:sp>
+        <p:nvSpPr>
+          <p:cNvPr id="6" name="圓角矩形 5"/>
+          <p:cNvSpPr/>
+          <p:nvPr/>
+        </p:nvSpPr>
+        <p:spPr>
+          <a:xfrm>
+            <a:off x="1368354" y="5589240"/>
+            <a:ext cx="6299990" cy="432048"/>
+          </a:xfrm>
+          <a:prstGeom prst="roundRect">
+            <a:avLst/>
+          </a:prstGeom>
+          <a:noFill/>
+          <a:ln w="57150">
+            <a:solidFill>
+              <a:srgbClr val="FA0416"/>
+            </a:solidFill>
+          </a:ln>
+        </p:spPr>
+        <p:style>
+          <a:lnRef idx="2">
+            <a:schemeClr val="accent1">
+              <a:shade val="50000"/>
+            </a:schemeClr>
+          </a:lnRef>
+          <a:fillRef idx="1">
+            <a:schemeClr val="accent1"/>
+          </a:fillRef>
+          <a:effectRef idx="0">
+            <a:schemeClr val="accent1"/>
+          </a:effectRef>
+          <a:fontRef idx="minor">
+            <a:schemeClr val="lt1"/>
+          </a:fontRef>
+        </p:style>
+        <p:txBody>
+          <a:bodyPr rtlCol="0" anchor="ctr"/>
+          <a:lstStyle/>
+          <a:p>
+            <a:pPr algn="ctr"/>
+            <a:endParaRPr lang="zh-TW" altLang="en-US"/>
+          </a:p>
+        </p:txBody>
+      </p:sp>
     </p:spTree>
     <p:extLst>
       <p:ext uri="{BB962C8B-B14F-4D97-AF65-F5344CB8AC3E}">
@@ -6710,309 +7709,80 @@
   <p:timing>
     <p:tnLst>
       <p:par>
-        <p:cTn id="1" dur="indefinite" restart="never" nodeType="tmRoot"/>
+        <p:cTn id="1" dur="indefinite" restart="never" nodeType="tmRoot">
+          <p:childTnLst>
+            <p:seq concurrent="1" nextAc="seek">
+              <p:cTn id="2" dur="indefinite" nodeType="mainSeq">
+                <p:childTnLst>
+                  <p:par>
+                    <p:cTn id="3" fill="hold">
+                      <p:stCondLst>
+                        <p:cond delay="indefinite"/>
+                      </p:stCondLst>
+                      <p:childTnLst>
+                        <p:par>
+                          <p:cTn id="4" fill="hold">
+                            <p:stCondLst>
+                              <p:cond delay="0"/>
+                            </p:stCondLst>
+                            <p:childTnLst>
+                              <p:par>
+                                <p:cTn id="5" presetID="1" presetClass="entr" presetSubtype="0" fill="hold" grpId="0" nodeType="clickEffect">
+                                  <p:stCondLst>
+                                    <p:cond delay="0"/>
+                                  </p:stCondLst>
+                                  <p:childTnLst>
+                                    <p:set>
+                                      <p:cBhvr>
+                                        <p:cTn id="6" dur="1" fill="hold">
+                                          <p:stCondLst>
+                                            <p:cond delay="0"/>
+                                          </p:stCondLst>
+                                        </p:cTn>
+                                        <p:tgtEl>
+                                          <p:spTgt spid="6"/>
+                                        </p:tgtEl>
+                                        <p:attrNameLst>
+                                          <p:attrName>style.visibility</p:attrName>
+                                        </p:attrNameLst>
+                                      </p:cBhvr>
+                                      <p:to>
+                                        <p:strVal val="visible"/>
+                                      </p:to>
+                                    </p:set>
+                                  </p:childTnLst>
+                                </p:cTn>
+                              </p:par>
+                            </p:childTnLst>
+                          </p:cTn>
+                        </p:par>
+                      </p:childTnLst>
+                    </p:cTn>
+                  </p:par>
+                </p:childTnLst>
+              </p:cTn>
+              <p:prevCondLst>
+                <p:cond evt="onPrev" delay="0">
+                  <p:tgtEl>
+                    <p:sldTgt/>
+                  </p:tgtEl>
+                </p:cond>
+              </p:prevCondLst>
+              <p:nextCondLst>
+                <p:cond evt="onNext" delay="0">
+                  <p:tgtEl>
+                    <p:sldTgt/>
+                  </p:tgtEl>
+                </p:cond>
+              </p:nextCondLst>
+            </p:seq>
+          </p:childTnLst>
+        </p:cTn>
       </p:par>
     </p:tnLst>
-  </p:timing>
-</p:sld>
-</file>
-
-<file path=ppt/slides/slide8.xml><?xml version="1.0" encoding="utf-8"?>
-<p:sld xmlns:a="http://schemas.openxmlformats.org/drawingml/2006/main" xmlns:r="http://schemas.openxmlformats.org/officeDocument/2006/relationships" xmlns:p="http://schemas.openxmlformats.org/presentationml/2006/main">
-  <p:cSld>
-    <p:spTree>
-      <p:nvGrpSpPr>
-        <p:cNvPr id="1" name=""/>
-        <p:cNvGrpSpPr/>
-        <p:nvPr/>
-      </p:nvGrpSpPr>
-      <p:grpSpPr>
-        <a:xfrm>
-          <a:off x="0" y="0"/>
-          <a:ext cx="0" cy="0"/>
-          <a:chOff x="0" y="0"/>
-          <a:chExt cx="0" cy="0"/>
-        </a:xfrm>
-      </p:grpSpPr>
-      <p:sp>
-        <p:nvSpPr>
-          <p:cNvPr id="2" name="標題 1"/>
-          <p:cNvSpPr>
-            <a:spLocks noGrp="1"/>
-          </p:cNvSpPr>
-          <p:nvPr>
-            <p:ph type="title"/>
-          </p:nvPr>
-        </p:nvSpPr>
-        <p:spPr/>
-        <p:txBody>
-          <a:bodyPr/>
-          <a:lstStyle/>
-          <a:p>
-            <a:r>
-              <a:rPr lang="en-US" altLang="zh-TW" dirty="0" smtClean="0"/>
-              <a:t>Request</a:t>
-            </a:r>
-            <a:endParaRPr lang="zh-TW" altLang="en-US" dirty="0"/>
-          </a:p>
-        </p:txBody>
-      </p:sp>
-      <p:sp>
-        <p:nvSpPr>
-          <p:cNvPr id="3" name="內容版面配置區 2"/>
-          <p:cNvSpPr>
-            <a:spLocks noGrp="1"/>
-          </p:cNvSpPr>
-          <p:nvPr>
-            <p:ph idx="1"/>
-          </p:nvPr>
-        </p:nvSpPr>
-        <p:spPr/>
-        <p:txBody>
-          <a:bodyPr/>
-          <a:lstStyle/>
-          <a:p>
-            <a:r>
-              <a:rPr lang="en-US" altLang="zh-TW" sz="1800" dirty="0" smtClean="0"/>
-              <a:t>API</a:t>
-            </a:r>
-            <a:r>
-              <a:rPr lang="zh-TW" altLang="en-US" sz="1800" dirty="0" smtClean="0"/>
-              <a:t>展開後的</a:t>
-            </a:r>
-            <a:r>
-              <a:rPr lang="en-US" altLang="zh-TW" sz="1800" dirty="0" smtClean="0"/>
-              <a:t>Request Object</a:t>
-            </a:r>
-          </a:p>
-          <a:p>
-            <a:pPr marL="0" indent="0">
-              <a:buNone/>
-            </a:pPr>
-            <a:endParaRPr lang="zh-TW" altLang="en-US" dirty="0"/>
-          </a:p>
-        </p:txBody>
-      </p:sp>
-      <p:pic>
-        <p:nvPicPr>
-          <p:cNvPr id="5122" name="Picture 2"/>
-          <p:cNvPicPr>
-            <a:picLocks noChangeAspect="1" noChangeArrowheads="1"/>
-          </p:cNvPicPr>
-          <p:nvPr/>
-        </p:nvPicPr>
-        <p:blipFill>
-          <a:blip r:embed="rId2">
-            <a:extLst>
-              <a:ext uri="{28A0092B-C50C-407E-A947-70E740481C1C}">
-                <a14:useLocalDpi xmlns:a14="http://schemas.microsoft.com/office/drawing/2010/main" val="0"/>
-              </a:ext>
-            </a:extLst>
-          </a:blip>
-          <a:srcRect/>
-          <a:stretch>
-            <a:fillRect/>
-          </a:stretch>
-        </p:blipFill>
-        <p:spPr bwMode="auto">
-          <a:xfrm>
-            <a:off x="251520" y="2204864"/>
-            <a:ext cx="8544369" cy="3994770"/>
-          </a:xfrm>
-          <a:prstGeom prst="rect">
-            <a:avLst/>
-          </a:prstGeom>
-          <a:noFill/>
-          <a:ln>
-            <a:noFill/>
-          </a:ln>
-          <a:extLst>
-            <a:ext uri="{909E8E84-426E-40DD-AFC4-6F175D3DCCD1}">
-              <a14:hiddenFill xmlns:a14="http://schemas.microsoft.com/office/drawing/2010/main">
-                <a:solidFill>
-                  <a:schemeClr val="accent1"/>
-                </a:solidFill>
-              </a14:hiddenFill>
-            </a:ext>
-            <a:ext uri="{91240B29-F687-4F45-9708-019B960494DF}">
-              <a14:hiddenLine xmlns:a14="http://schemas.microsoft.com/office/drawing/2010/main" w="9525">
-                <a:solidFill>
-                  <a:schemeClr val="tx1"/>
-                </a:solidFill>
-                <a:miter lim="800000"/>
-                <a:headEnd/>
-                <a:tailEnd/>
-              </a14:hiddenLine>
-            </a:ext>
-          </a:extLst>
-        </p:spPr>
-      </p:pic>
-    </p:spTree>
-    <p:extLst>
-      <p:ext uri="{BB962C8B-B14F-4D97-AF65-F5344CB8AC3E}">
-        <p14:creationId xmlns:p14="http://schemas.microsoft.com/office/powerpoint/2010/main" val="2500542353"/>
-      </p:ext>
-    </p:extLst>
-  </p:cSld>
-  <p:clrMapOvr>
-    <a:masterClrMapping/>
-  </p:clrMapOvr>
-  <p:timing>
-    <p:tnLst>
-      <p:par>
-        <p:cTn id="1" dur="indefinite" restart="never" nodeType="tmRoot"/>
-      </p:par>
-    </p:tnLst>
-  </p:timing>
-</p:sld>
-</file>
-
-<file path=ppt/slides/slide9.xml><?xml version="1.0" encoding="utf-8"?>
-<p:sld xmlns:a="http://schemas.openxmlformats.org/drawingml/2006/main" xmlns:r="http://schemas.openxmlformats.org/officeDocument/2006/relationships" xmlns:p="http://schemas.openxmlformats.org/presentationml/2006/main">
-  <p:cSld>
-    <p:spTree>
-      <p:nvGrpSpPr>
-        <p:cNvPr id="1" name=""/>
-        <p:cNvGrpSpPr/>
-        <p:nvPr/>
-      </p:nvGrpSpPr>
-      <p:grpSpPr>
-        <a:xfrm>
-          <a:off x="0" y="0"/>
-          <a:ext cx="0" cy="0"/>
-          <a:chOff x="0" y="0"/>
-          <a:chExt cx="0" cy="0"/>
-        </a:xfrm>
-      </p:grpSpPr>
-      <p:sp>
-        <p:nvSpPr>
-          <p:cNvPr id="2" name="標題 1"/>
-          <p:cNvSpPr>
-            <a:spLocks noGrp="1"/>
-          </p:cNvSpPr>
-          <p:nvPr>
-            <p:ph type="title"/>
-          </p:nvPr>
-        </p:nvSpPr>
-        <p:spPr/>
-        <p:txBody>
-          <a:bodyPr/>
-          <a:lstStyle/>
-          <a:p>
-            <a:r>
-              <a:rPr lang="en-US" altLang="zh-TW" dirty="0" smtClean="0"/>
-              <a:t>Response</a:t>
-            </a:r>
-            <a:endParaRPr lang="zh-TW" altLang="en-US" dirty="0"/>
-          </a:p>
-        </p:txBody>
-      </p:sp>
-      <p:sp>
-        <p:nvSpPr>
-          <p:cNvPr id="3" name="內容版面配置區 2"/>
-          <p:cNvSpPr>
-            <a:spLocks noGrp="1"/>
-          </p:cNvSpPr>
-          <p:nvPr>
-            <p:ph idx="1"/>
-          </p:nvPr>
-        </p:nvSpPr>
-        <p:spPr/>
-        <p:txBody>
-          <a:bodyPr/>
-          <a:lstStyle/>
-          <a:p>
-            <a:r>
-              <a:rPr lang="en-US" altLang="zh-TW" sz="1800" dirty="0" smtClean="0"/>
-              <a:t>API</a:t>
-            </a:r>
-            <a:r>
-              <a:rPr lang="zh-TW" altLang="en-US" sz="1800" dirty="0" smtClean="0"/>
-              <a:t>展開後的</a:t>
-            </a:r>
-            <a:r>
-              <a:rPr lang="en-US" altLang="zh-TW" sz="1800" dirty="0" smtClean="0"/>
-              <a:t>Response Object</a:t>
-            </a:r>
-          </a:p>
-          <a:p>
-            <a:pPr marL="0" indent="0">
-              <a:buNone/>
-            </a:pPr>
-            <a:endParaRPr lang="zh-TW" altLang="en-US" dirty="0"/>
-          </a:p>
-        </p:txBody>
-      </p:sp>
-      <p:pic>
-        <p:nvPicPr>
-          <p:cNvPr id="6146" name="Picture 2"/>
-          <p:cNvPicPr>
-            <a:picLocks noChangeAspect="1" noChangeArrowheads="1"/>
-          </p:cNvPicPr>
-          <p:nvPr/>
-        </p:nvPicPr>
-        <p:blipFill>
-          <a:blip r:embed="rId2">
-            <a:extLst>
-              <a:ext uri="{28A0092B-C50C-407E-A947-70E740481C1C}">
-                <a14:useLocalDpi xmlns:a14="http://schemas.microsoft.com/office/drawing/2010/main" val="0"/>
-              </a:ext>
-            </a:extLst>
-          </a:blip>
-          <a:srcRect/>
-          <a:stretch>
-            <a:fillRect/>
-          </a:stretch>
-        </p:blipFill>
-        <p:spPr bwMode="auto">
-          <a:xfrm>
-            <a:off x="323528" y="2204864"/>
-            <a:ext cx="8424936" cy="3952598"/>
-          </a:xfrm>
-          <a:prstGeom prst="rect">
-            <a:avLst/>
-          </a:prstGeom>
-          <a:noFill/>
-          <a:ln>
-            <a:noFill/>
-          </a:ln>
-          <a:extLst>
-            <a:ext uri="{909E8E84-426E-40DD-AFC4-6F175D3DCCD1}">
-              <a14:hiddenFill xmlns:a14="http://schemas.microsoft.com/office/drawing/2010/main">
-                <a:solidFill>
-                  <a:schemeClr val="accent1"/>
-                </a:solidFill>
-              </a14:hiddenFill>
-            </a:ext>
-            <a:ext uri="{91240B29-F687-4F45-9708-019B960494DF}">
-              <a14:hiddenLine xmlns:a14="http://schemas.microsoft.com/office/drawing/2010/main" w="9525">
-                <a:solidFill>
-                  <a:schemeClr val="tx1"/>
-                </a:solidFill>
-                <a:miter lim="800000"/>
-                <a:headEnd/>
-                <a:tailEnd/>
-              </a14:hiddenLine>
-            </a:ext>
-          </a:extLst>
-        </p:spPr>
-      </p:pic>
-    </p:spTree>
-    <p:extLst>
-      <p:ext uri="{BB962C8B-B14F-4D97-AF65-F5344CB8AC3E}">
-        <p14:creationId xmlns:p14="http://schemas.microsoft.com/office/powerpoint/2010/main" val="700037591"/>
-      </p:ext>
-    </p:extLst>
-  </p:cSld>
-  <p:clrMapOvr>
-    <a:masterClrMapping/>
-  </p:clrMapOvr>
-  <p:timing>
-    <p:tnLst>
-      <p:par>
-        <p:cTn id="1" dur="indefinite" restart="never" nodeType="tmRoot"/>
-      </p:par>
-    </p:tnLst>
+    <p:bldLst>
+      <p:bldP spid="6" grpId="0" animBg="1"/>
+    </p:bldLst>
   </p:timing>
 </p:sld>
 </file>

--- a/swagger_UI.pptx
+++ b/swagger_UI.pptx
@@ -745,6 +745,141 @@
     <p:extLst>
       <p:ext uri="{BB962C8B-B14F-4D97-AF65-F5344CB8AC3E}">
         <p14:creationId xmlns:p14="http://schemas.microsoft.com/office/powerpoint/2010/main" val="333131332"/>
+      </p:ext>
+    </p:extLst>
+  </p:cSld>
+  <p:clrMapOvr>
+    <a:masterClrMapping/>
+  </p:clrMapOvr>
+</p:notes>
+</file>
+
+<file path=ppt/notesSlides/notesSlide3.xml><?xml version="1.0" encoding="utf-8"?>
+<p:notes xmlns:a="http://schemas.openxmlformats.org/drawingml/2006/main" xmlns:r="http://schemas.openxmlformats.org/officeDocument/2006/relationships" xmlns:p="http://schemas.openxmlformats.org/presentationml/2006/main">
+  <p:cSld>
+    <p:spTree>
+      <p:nvGrpSpPr>
+        <p:cNvPr id="1" name=""/>
+        <p:cNvGrpSpPr/>
+        <p:nvPr/>
+      </p:nvGrpSpPr>
+      <p:grpSpPr>
+        <a:xfrm>
+          <a:off x="0" y="0"/>
+          <a:ext cx="0" cy="0"/>
+          <a:chOff x="0" y="0"/>
+          <a:chExt cx="0" cy="0"/>
+        </a:xfrm>
+      </p:grpSpPr>
+      <p:sp>
+        <p:nvSpPr>
+          <p:cNvPr id="2" name="投影片圖像版面配置區 1"/>
+          <p:cNvSpPr>
+            <a:spLocks noGrp="1" noRot="1" noChangeAspect="1"/>
+          </p:cNvSpPr>
+          <p:nvPr>
+            <p:ph type="sldImg"/>
+          </p:nvPr>
+        </p:nvSpPr>
+        <p:spPr/>
+      </p:sp>
+      <p:sp>
+        <p:nvSpPr>
+          <p:cNvPr id="3" name="備忘稿版面配置區 2"/>
+          <p:cNvSpPr>
+            <a:spLocks noGrp="1"/>
+          </p:cNvSpPr>
+          <p:nvPr>
+            <p:ph type="body" idx="1"/>
+          </p:nvPr>
+        </p:nvSpPr>
+        <p:spPr/>
+        <p:txBody>
+          <a:bodyPr/>
+          <a:lstStyle/>
+          <a:p>
+            <a:r>
+              <a:rPr lang="en-US" altLang="zh-TW" dirty="0" err="1" smtClean="0"/>
+              <a:t>RequestHandlerSelectors</a:t>
+            </a:r>
+            <a:r>
+              <a:rPr lang="en-US" altLang="zh-TW" dirty="0" smtClean="0"/>
+              <a:t>:</a:t>
+            </a:r>
+            <a:r>
+              <a:rPr lang="zh-TW" altLang="en-US" dirty="0" smtClean="0"/>
+              <a:t>哪一些</a:t>
+            </a:r>
+            <a:r>
+              <a:rPr lang="en-US" altLang="zh-TW" dirty="0" smtClean="0"/>
+              <a:t>package</a:t>
+            </a:r>
+            <a:r>
+              <a:rPr lang="zh-TW" altLang="en-US" dirty="0" smtClean="0"/>
+              <a:t>或</a:t>
+            </a:r>
+            <a:r>
+              <a:rPr lang="en-US" altLang="zh-TW" dirty="0" smtClean="0"/>
+              <a:t>annotations</a:t>
+            </a:r>
+            <a:r>
+              <a:rPr lang="zh-TW" altLang="en-US" dirty="0" smtClean="0"/>
+              <a:t>或</a:t>
+            </a:r>
+            <a:r>
+              <a:rPr lang="en-US" altLang="zh-TW" dirty="0" smtClean="0"/>
+              <a:t>class</a:t>
+            </a:r>
+            <a:r>
+              <a:rPr lang="zh-TW" altLang="en-US" dirty="0" smtClean="0"/>
+              <a:t>要監控</a:t>
+            </a:r>
+            <a:endParaRPr lang="en-US" altLang="zh-TW" dirty="0" smtClean="0"/>
+          </a:p>
+          <a:p>
+            <a:r>
+              <a:rPr lang="en-US" altLang="zh-TW" dirty="0" err="1" smtClean="0"/>
+              <a:t>PathSelectors</a:t>
+            </a:r>
+            <a:r>
+              <a:rPr lang="en-US" altLang="zh-TW" dirty="0" smtClean="0"/>
+              <a:t>:</a:t>
+            </a:r>
+            <a:r>
+              <a:rPr lang="zh-TW" altLang="en-US" dirty="0" smtClean="0"/>
+              <a:t>哪一些路徑要監控</a:t>
+            </a:r>
+            <a:endParaRPr lang="zh-TW" altLang="en-US" dirty="0"/>
+          </a:p>
+        </p:txBody>
+      </p:sp>
+      <p:sp>
+        <p:nvSpPr>
+          <p:cNvPr id="4" name="投影片編號版面配置區 3"/>
+          <p:cNvSpPr>
+            <a:spLocks noGrp="1"/>
+          </p:cNvSpPr>
+          <p:nvPr>
+            <p:ph type="sldNum" sz="quarter" idx="10"/>
+          </p:nvPr>
+        </p:nvSpPr>
+        <p:spPr/>
+        <p:txBody>
+          <a:bodyPr/>
+          <a:lstStyle/>
+          <a:p>
+            <a:fld id="{F3A1126A-B731-44B2-B190-F4DFCC25CEE0}" type="slidenum">
+              <a:rPr lang="zh-TW" altLang="en-US" smtClean="0"/>
+              <a:t>8</a:t>
+            </a:fld>
+            <a:endParaRPr lang="zh-TW" altLang="en-US"/>
+          </a:p>
+        </p:txBody>
+      </p:sp>
+    </p:spTree>
+    <p:extLst>
+      <p:ext uri="{BB962C8B-B14F-4D97-AF65-F5344CB8AC3E}">
+        <p14:creationId xmlns:p14="http://schemas.microsoft.com/office/powerpoint/2010/main" val="2371303014"/>
       </p:ext>
     </p:extLst>
   </p:cSld>
@@ -4058,17 +4193,7 @@
                 <a:latin typeface="微軟正黑體" panose="020B0604030504040204" pitchFamily="34" charset="-120"/>
                 <a:ea typeface="微軟正黑體" panose="020B0604030504040204" pitchFamily="34" charset="-120"/>
               </a:rPr>
-              <a:t>ITT </a:t>
-            </a:r>
-            <a:r>
-              <a:rPr lang="en-US" altLang="zh-TW" b="1" dirty="0" smtClean="0">
-                <a:solidFill>
-                  <a:schemeClr val="bg1"/>
-                </a:solidFill>
-                <a:latin typeface="微軟正黑體" panose="020B0604030504040204" pitchFamily="34" charset="-120"/>
-                <a:ea typeface="微軟正黑體" panose="020B0604030504040204" pitchFamily="34" charset="-120"/>
-              </a:rPr>
-              <a:t>OMS </a:t>
+              <a:t>ITT OMS </a:t>
             </a:r>
             <a:r>
               <a:rPr lang="en-US" altLang="zh-TW" b="1" dirty="0" err="1" smtClean="0">
@@ -6123,14 +6248,7 @@
                 <a:latin typeface="微軟正黑體" panose="020B0604030504040204" pitchFamily="34" charset="-120"/>
                 <a:ea typeface="微軟正黑體" panose="020B0604030504040204" pitchFamily="34" charset="-120"/>
               </a:rPr>
-              <a:t>後端工程師在開發完需求後，並沒有更新文件</a:t>
-            </a:r>
-            <a:r>
-              <a:rPr lang="zh-TW" altLang="en-US" dirty="0" smtClean="0">
-                <a:latin typeface="微軟正黑體" panose="020B0604030504040204" pitchFamily="34" charset="-120"/>
-                <a:ea typeface="微軟正黑體" panose="020B0604030504040204" pitchFamily="34" charset="-120"/>
-              </a:rPr>
-              <a:t>。</a:t>
+              <a:t>後端工程師在開發完需求後，並沒有更新文件。</a:t>
             </a:r>
             <a:endParaRPr lang="en-US" altLang="zh-TW" dirty="0" smtClean="0">
               <a:latin typeface="微軟正黑體" panose="020B0604030504040204" pitchFamily="34" charset="-120"/>
@@ -6150,14 +6268,7 @@
                 <a:latin typeface="微軟正黑體" panose="020B0604030504040204" pitchFamily="34" charset="-120"/>
                 <a:ea typeface="微軟正黑體" panose="020B0604030504040204" pitchFamily="34" charset="-120"/>
               </a:rPr>
-              <a:t>假設後端工程師有更新文件，長期維護此文件公司也花了很多資源</a:t>
-            </a:r>
-            <a:r>
-              <a:rPr lang="zh-TW" altLang="en-US" dirty="0" smtClean="0">
-                <a:latin typeface="微軟正黑體" panose="020B0604030504040204" pitchFamily="34" charset="-120"/>
-                <a:ea typeface="微軟正黑體" panose="020B0604030504040204" pitchFamily="34" charset="-120"/>
-              </a:rPr>
-              <a:t>。</a:t>
+              <a:t>假設後端工程師有更新文件，長期維護此文件公司也花了很多資源。</a:t>
             </a:r>
             <a:endParaRPr lang="en-US" altLang="zh-TW" dirty="0" smtClean="0">
               <a:latin typeface="微軟正黑體" panose="020B0604030504040204" pitchFamily="34" charset="-120"/>
@@ -6191,14 +6302,7 @@
                 <a:latin typeface="微軟正黑體" panose="020B0604030504040204" pitchFamily="34" charset="-120"/>
                 <a:ea typeface="微軟正黑體" panose="020B0604030504040204" pitchFamily="34" charset="-120"/>
               </a:rPr>
-              <a:t>文件</a:t>
-            </a:r>
-            <a:r>
-              <a:rPr lang="zh-TW" altLang="en-US" dirty="0" smtClean="0">
-                <a:latin typeface="微軟正黑體" panose="020B0604030504040204" pitchFamily="34" charset="-120"/>
-                <a:ea typeface="微軟正黑體" panose="020B0604030504040204" pitchFamily="34" charset="-120"/>
-              </a:rPr>
-              <a:t>。</a:t>
+              <a:t>文件。</a:t>
             </a:r>
             <a:endParaRPr lang="en-US" altLang="zh-TW" dirty="0" smtClean="0">
               <a:latin typeface="微軟正黑體" panose="020B0604030504040204" pitchFamily="34" charset="-120"/>
@@ -6218,14 +6322,7 @@
                 <a:latin typeface="微軟正黑體" panose="020B0604030504040204" pitchFamily="34" charset="-120"/>
                 <a:ea typeface="微軟正黑體" panose="020B0604030504040204" pitchFamily="34" charset="-120"/>
               </a:rPr>
-              <a:t>下次還是有可能發生一樣的問題</a:t>
-            </a:r>
-            <a:r>
-              <a:rPr lang="zh-TW" altLang="en-US" dirty="0" smtClean="0">
-                <a:latin typeface="微軟正黑體" panose="020B0604030504040204" pitchFamily="34" charset="-120"/>
-                <a:ea typeface="微軟正黑體" panose="020B0604030504040204" pitchFamily="34" charset="-120"/>
-              </a:rPr>
-              <a:t>。</a:t>
+              <a:t>下次還是有可能發生一樣的問題。</a:t>
             </a:r>
             <a:endParaRPr lang="en-US" altLang="zh-TW" dirty="0" smtClean="0">
               <a:latin typeface="微軟正黑體" panose="020B0604030504040204" pitchFamily="34" charset="-120"/>
@@ -6639,14 +6736,7 @@
                 <a:latin typeface="微軟正黑體" panose="020B0604030504040204" pitchFamily="34" charset="-120"/>
                 <a:ea typeface="微軟正黑體" panose="020B0604030504040204" pitchFamily="34" charset="-120"/>
               </a:rPr>
-              <a:t>如何</a:t>
-            </a:r>
-            <a:r>
-              <a:rPr lang="zh-TW" altLang="en-US" b="1" dirty="0" smtClean="0">
-                <a:latin typeface="微軟正黑體" panose="020B0604030504040204" pitchFamily="34" charset="-120"/>
-                <a:ea typeface="微軟正黑體" panose="020B0604030504040204" pitchFamily="34" charset="-120"/>
-              </a:rPr>
-              <a:t>使用</a:t>
+              <a:t>如何使用</a:t>
             </a:r>
             <a:r>
               <a:rPr lang="en-US" altLang="zh-TW" b="1" dirty="0" smtClean="0">
@@ -7261,13 +7351,6 @@
               </a:rPr>
               <a:t>dependency&gt;</a:t>
             </a:r>
-            <a:endParaRPr lang="en-US" altLang="zh-TW" sz="2200" dirty="0">
-              <a:solidFill>
-                <a:srgbClr val="005C2A"/>
-              </a:solidFill>
-              <a:latin typeface="微軟正黑體" panose="020B0604030504040204" pitchFamily="34" charset="-120"/>
-              <a:ea typeface="微軟正黑體" panose="020B0604030504040204" pitchFamily="34" charset="-120"/>
-            </a:endParaRPr>
           </a:p>
         </p:txBody>
       </p:sp>
@@ -7328,14 +7411,7 @@
                 <a:latin typeface="微軟正黑體" panose="020B0604030504040204" pitchFamily="34" charset="-120"/>
                 <a:ea typeface="微軟正黑體" panose="020B0604030504040204" pitchFamily="34" charset="-120"/>
               </a:rPr>
-              <a:t>如何</a:t>
-            </a:r>
-            <a:r>
-              <a:rPr lang="zh-TW" altLang="en-US" b="1" dirty="0" smtClean="0">
-                <a:latin typeface="微軟正黑體" panose="020B0604030504040204" pitchFamily="34" charset="-120"/>
-                <a:ea typeface="微軟正黑體" panose="020B0604030504040204" pitchFamily="34" charset="-120"/>
-              </a:rPr>
-              <a:t>使用</a:t>
+              <a:t>如何使用</a:t>
             </a:r>
             <a:r>
               <a:rPr lang="en-US" altLang="zh-TW" b="1" dirty="0" smtClean="0">
@@ -7392,14 +7468,7 @@
                 <a:latin typeface="微軟正黑體" panose="020B0604030504040204" pitchFamily="34" charset="-120"/>
                 <a:ea typeface="微軟正黑體" panose="020B0604030504040204" pitchFamily="34" charset="-120"/>
               </a:rPr>
-              <a:t>下增加</a:t>
-            </a:r>
-            <a:r>
-              <a:rPr lang="zh-TW" altLang="en-US" dirty="0" smtClean="0">
-                <a:latin typeface="微軟正黑體" panose="020B0604030504040204" pitchFamily="34" charset="-120"/>
-                <a:ea typeface="微軟正黑體" panose="020B0604030504040204" pitchFamily="34" charset="-120"/>
-              </a:rPr>
-              <a:t>一個</a:t>
+              <a:t>下增加一個</a:t>
             </a:r>
             <a:r>
               <a:rPr lang="en-US" altLang="zh-TW" dirty="0" smtClean="0">
@@ -7408,10 +7477,6 @@
               </a:rPr>
               <a:t>class</a:t>
             </a:r>
-            <a:endParaRPr lang="en-US" altLang="zh-TW" dirty="0" smtClean="0">
-              <a:latin typeface="微軟正黑體" panose="020B0604030504040204" pitchFamily="34" charset="-120"/>
-              <a:ea typeface="微軟正黑體" panose="020B0604030504040204" pitchFamily="34" charset="-120"/>
-            </a:endParaRPr>
           </a:p>
           <a:p>
             <a:pPr marL="0" indent="0">
@@ -7430,7 +7495,7 @@
           <p:nvPr/>
         </p:nvPicPr>
         <p:blipFill>
-          <a:blip r:embed="rId2">
+          <a:blip r:embed="rId3">
             <a:extLst>
               <a:ext uri="{28A0092B-C50C-407E-A947-70E740481C1C}">
                 <a14:useLocalDpi xmlns:a14="http://schemas.microsoft.com/office/drawing/2010/main" val="0"/>
